--- a/Files/Ppt mask.pptx
+++ b/Files/Ppt mask.pptx
@@ -8,8 +8,8 @@
     <p:notesMasterId r:id="rId4"/>
   </p:notesMasterIdLst>
   <p:sldIdLst>
-    <p:sldId id="257" r:id="rId2"/>
-    <p:sldId id="258" r:id="rId3"/>
+    <p:sldId id="256" r:id="rId2"/>
+    <p:sldId id="257" r:id="rId3"/>
   </p:sldIdLst>
   <p:sldSz cx="12192000" cy="6858000"/>
   <p:notesSz cx="6858000" cy="9144000"/>
@@ -198,7 +198,7 @@
           <a:p>
             <a:fld id="{CBD02DE9-54A9-4CA7-91F3-710D21D0B6EC}" type="datetimeFigureOut">
               <a:rPr lang="en-US" smtClean="0"/>
-              <a:t>9/16/2018</a:t>
+              <a:t>10/29/2018</a:t>
             </a:fld>
             <a:endParaRPr lang="en-US" dirty="0"/>
           </a:p>
@@ -488,7 +488,7 @@
           <p:cNvPr id="8" name="Rectangle 7">
             <a:extLst>
               <a:ext uri="{FF2B5EF4-FFF2-40B4-BE49-F238E27FC236}">
-                <a16:creationId xmlns:a16="http://schemas.microsoft.com/office/drawing/2014/main" id="{53DFC5F3-BDE9-4C47-B29D-1E7EF3B0CB6A}"/>
+                <a16:creationId xmlns:a16="http://schemas.microsoft.com/office/drawing/2014/main" xmlns="" id="{53DFC5F3-BDE9-4C47-B29D-1E7EF3B0CB6A}"/>
               </a:ext>
             </a:extLst>
           </p:cNvPr>
@@ -538,7 +538,7 @@
           <p:cNvPr id="9" name="Rectangle 8">
             <a:extLst>
               <a:ext uri="{FF2B5EF4-FFF2-40B4-BE49-F238E27FC236}">
-                <a16:creationId xmlns:a16="http://schemas.microsoft.com/office/drawing/2014/main" id="{43955A2C-6DC0-42CF-8BED-5DD7424ED665}"/>
+                <a16:creationId xmlns:a16="http://schemas.microsoft.com/office/drawing/2014/main" xmlns="" id="{43955A2C-6DC0-42CF-8BED-5DD7424ED665}"/>
               </a:ext>
             </a:extLst>
           </p:cNvPr>
@@ -579,60 +579,12 @@
           </a:p>
         </p:txBody>
       </p:sp>
-      <p:sp>
-        <p:nvSpPr>
-          <p:cNvPr id="3" name="Espace réservé de la date 2">
-            <a:extLst>
-              <a:ext uri="{FF2B5EF4-FFF2-40B4-BE49-F238E27FC236}">
-                <a16:creationId xmlns:a16="http://schemas.microsoft.com/office/drawing/2014/main" id="{64AB45EF-6A17-458B-91BF-270D9BA690AB}"/>
-              </a:ext>
-            </a:extLst>
-          </p:cNvPr>
-          <p:cNvSpPr>
-            <a:spLocks noGrp="1"/>
-          </p:cNvSpPr>
-          <p:nvPr>
-            <p:ph type="dt" sz="half" idx="10"/>
-          </p:nvPr>
-        </p:nvSpPr>
-        <p:spPr>
-          <a:xfrm>
-            <a:off x="164426" y="246028"/>
-            <a:ext cx="3563526" cy="353287"/>
-          </a:xfrm>
-          <a:prstGeom prst="rect">
-            <a:avLst/>
-          </a:prstGeom>
-        </p:spPr>
-        <p:txBody>
-          <a:bodyPr/>
-          <a:lstStyle>
-            <a:lvl1pPr algn="ctr">
-              <a:defRPr>
-                <a:solidFill>
-                  <a:schemeClr val="bg1"/>
-                </a:solidFill>
-                <a:latin typeface="Arial Nova Light" panose="020B0304020202020204" pitchFamily="34" charset="0"/>
-                <a:cs typeface="Arial Nova Light" panose="020B0304020202020204" pitchFamily="34" charset="0"/>
-              </a:defRPr>
-            </a:lvl1pPr>
-          </a:lstStyle>
-          <a:p>
-            <a:fld id="{AE3F786F-BBB9-44DF-BEA8-7AA55D7286D1}" type="datetime1">
-              <a:rPr lang="en-US" smtClean="0"/>
-              <a:pPr/>
-              <a:t>9/16/2018</a:t>
-            </a:fld>
-            <a:endParaRPr lang="en-US" dirty="0"/>
-          </a:p>
-        </p:txBody>
-      </p:sp>
       <p:pic>
         <p:nvPicPr>
           <p:cNvPr id="6" name="Image 5" descr="Une image contenant extérieur&#10;&#10;Description générée avec un niveau de confiance très élevé">
             <a:extLst>
               <a:ext uri="{FF2B5EF4-FFF2-40B4-BE49-F238E27FC236}">
-                <a16:creationId xmlns:a16="http://schemas.microsoft.com/office/drawing/2014/main" id="{5514EDC0-5B5E-49A1-9FBC-EC3FCB56454E}"/>
+                <a16:creationId xmlns:a16="http://schemas.microsoft.com/office/drawing/2014/main" xmlns="" id="{5514EDC0-5B5E-49A1-9FBC-EC3FCB56454E}"/>
               </a:ext>
             </a:extLst>
           </p:cNvPr>
@@ -642,7 +594,7 @@
           <p:nvPr userDrawn="1"/>
         </p:nvPicPr>
         <p:blipFill>
-          <a:blip r:embed="rId2">
+          <a:blip r:embed="rId2" cstate="print">
             <a:extLst>
               <a:ext uri="{28A0092B-C50C-407E-A947-70E740481C1C}">
                 <a14:useLocalDpi xmlns:a14="http://schemas.microsoft.com/office/drawing/2010/main" val="0"/>
@@ -655,7 +607,7 @@
         </p:blipFill>
         <p:spPr>
           <a:xfrm>
-            <a:off x="10417484" y="-55484"/>
+            <a:off x="11158630" y="-55484"/>
             <a:ext cx="971965" cy="917535"/>
           </a:xfrm>
           <a:prstGeom prst="rect">
@@ -668,7 +620,7 @@
           <p:cNvPr id="7" name="Image 6">
             <a:extLst>
               <a:ext uri="{FF2B5EF4-FFF2-40B4-BE49-F238E27FC236}">
-                <a16:creationId xmlns:a16="http://schemas.microsoft.com/office/drawing/2014/main" id="{C77A5FE8-6DAC-44C8-85CC-4966121CD022}"/>
+                <a16:creationId xmlns:a16="http://schemas.microsoft.com/office/drawing/2014/main" xmlns="" id="{C77A5FE8-6DAC-44C8-85CC-4966121CD022}"/>
               </a:ext>
             </a:extLst>
           </p:cNvPr>
@@ -678,7 +630,7 @@
           <p:nvPr userDrawn="1"/>
         </p:nvPicPr>
         <p:blipFill>
-          <a:blip r:embed="rId3">
+          <a:blip r:embed="rId3" cstate="print">
             <a:extLst>
               <a:ext uri="{28A0092B-C50C-407E-A947-70E740481C1C}">
                 <a14:useLocalDpi xmlns:a14="http://schemas.microsoft.com/office/drawing/2010/main" val="0"/>
@@ -691,7 +643,7 @@
         </p:blipFill>
         <p:spPr>
           <a:xfrm>
-            <a:off x="9278000" y="-55484"/>
+            <a:off x="10173150" y="-55484"/>
             <a:ext cx="917535" cy="917535"/>
           </a:xfrm>
           <a:prstGeom prst="rect">
@@ -704,7 +656,7 @@
           <p:cNvPr id="10" name="Espace réservé de la date 2">
             <a:extLst>
               <a:ext uri="{FF2B5EF4-FFF2-40B4-BE49-F238E27FC236}">
-                <a16:creationId xmlns:a16="http://schemas.microsoft.com/office/drawing/2014/main" id="{377EB69A-5AC6-4363-989F-DF7DE9286C71}"/>
+                <a16:creationId xmlns:a16="http://schemas.microsoft.com/office/drawing/2014/main" xmlns="" id="{377EB69A-5AC6-4363-989F-DF7DE9286C71}"/>
               </a:ext>
             </a:extLst>
           </p:cNvPr>
@@ -833,7 +785,7 @@
           <p:cNvPr id="15" name="Espace réservé du texte 14">
             <a:extLst>
               <a:ext uri="{FF2B5EF4-FFF2-40B4-BE49-F238E27FC236}">
-                <a16:creationId xmlns:a16="http://schemas.microsoft.com/office/drawing/2014/main" id="{BC46C715-7C5F-4214-B030-2565DD90757D}"/>
+                <a16:creationId xmlns:a16="http://schemas.microsoft.com/office/drawing/2014/main" xmlns="" id="{BC46C715-7C5F-4214-B030-2565DD90757D}"/>
               </a:ext>
             </a:extLst>
           </p:cNvPr>
@@ -846,7 +798,7 @@
         </p:nvSpPr>
         <p:spPr>
           <a:xfrm>
-            <a:off x="1672166" y="3071116"/>
+            <a:off x="3164082" y="2746978"/>
             <a:ext cx="7878762" cy="864450"/>
           </a:xfrm>
           <a:prstGeom prst="rect">
@@ -868,12 +820,12 @@
           </a:lstStyle>
           <a:p>
             <a:r>
-              <a:rPr lang="en-US" sz="2800" dirty="0" err="1">
+              <a:rPr lang="en-US" sz="2800" dirty="0" smtClean="0">
                 <a:solidFill>
                   <a:schemeClr val="tx1"/>
                 </a:solidFill>
               </a:rPr>
-              <a:t>Sujet</a:t>
+              <a:t>Subject</a:t>
             </a:r>
             <a:endParaRPr lang="en-US" sz="2800" dirty="0">
               <a:solidFill>
@@ -895,7 +847,7 @@
           <p:cNvPr id="16" name="Titre 15">
             <a:extLst>
               <a:ext uri="{FF2B5EF4-FFF2-40B4-BE49-F238E27FC236}">
-                <a16:creationId xmlns:a16="http://schemas.microsoft.com/office/drawing/2014/main" id="{B3BA48C9-71C6-4674-9380-7A4667859C9A}"/>
+                <a16:creationId xmlns:a16="http://schemas.microsoft.com/office/drawing/2014/main" xmlns="" id="{B3BA48C9-71C6-4674-9380-7A4667859C9A}"/>
               </a:ext>
             </a:extLst>
           </p:cNvPr>
@@ -903,13 +855,13 @@
             <a:spLocks noGrp="1"/>
           </p:cNvSpPr>
           <p:nvPr>
-            <p:ph type="title"/>
+            <p:ph type="title" hasCustomPrompt="1"/>
           </p:nvPr>
         </p:nvSpPr>
         <p:spPr>
           <a:xfrm>
-            <a:off x="838200" y="1347485"/>
-            <a:ext cx="10515600" cy="1325563"/>
+            <a:off x="838198" y="1663879"/>
+            <a:ext cx="10515600" cy="850986"/>
           </a:xfrm>
           <a:prstGeom prst="rect">
             <a:avLst/>
@@ -920,8 +872,8 @@
             <a:normAutofit/>
           </a:bodyPr>
           <a:lstStyle>
-            <a:lvl1pPr>
-              <a:defRPr sz="4400">
+            <a:lvl1pPr algn="ctr">
+              <a:defRPr sz="4400" baseline="0">
                 <a:latin typeface="Arial Nova Light" panose="020B0304020202020204" pitchFamily="34" charset="0"/>
                 <a:cs typeface="Arial Nova Light" panose="020B0304020202020204" pitchFamily="34" charset="0"/>
               </a:defRPr>
@@ -929,8 +881,16 @@
           </a:lstStyle>
           <a:p>
             <a:r>
-              <a:rPr lang="fr-FR" dirty="0"/>
-              <a:t>Modifiez le style du titre</a:t>
+              <a:rPr lang="fr-FR" dirty="0" err="1" smtClean="0"/>
+              <a:t>Presentation</a:t>
+            </a:r>
+            <a:r>
+              <a:rPr lang="fr-FR" dirty="0" smtClean="0"/>
+              <a:t> </a:t>
+            </a:r>
+            <a:r>
+              <a:rPr lang="fr-FR" dirty="0" err="1" smtClean="0"/>
+              <a:t>Title</a:t>
             </a:r>
             <a:endParaRPr lang="en-US" dirty="0"/>
           </a:p>
@@ -941,7 +901,7 @@
           <p:cNvPr id="19" name="Rectangle 18">
             <a:extLst>
               <a:ext uri="{FF2B5EF4-FFF2-40B4-BE49-F238E27FC236}">
-                <a16:creationId xmlns:a16="http://schemas.microsoft.com/office/drawing/2014/main" id="{FA6349F9-E032-4858-9A3A-D8C111066340}"/>
+                <a16:creationId xmlns:a16="http://schemas.microsoft.com/office/drawing/2014/main" xmlns="" id="{FA6349F9-E032-4858-9A3A-D8C111066340}"/>
               </a:ext>
             </a:extLst>
           </p:cNvPr>
@@ -1006,37 +966,32 @@
       </p:sp>
       <p:sp>
         <p:nvSpPr>
-          <p:cNvPr id="25" name="Espace réservé du texte 24">
-            <a:extLst>
-              <a:ext uri="{FF2B5EF4-FFF2-40B4-BE49-F238E27FC236}">
-                <a16:creationId xmlns:a16="http://schemas.microsoft.com/office/drawing/2014/main" id="{FBE6BD17-050F-48B7-A8AC-5273B144D41D}"/>
-              </a:ext>
-            </a:extLst>
-          </p:cNvPr>
+          <p:cNvPr id="13" name="Espace réservé du texte 15"/>
           <p:cNvSpPr>
             <a:spLocks noGrp="1"/>
           </p:cNvSpPr>
           <p:nvPr>
-            <p:ph type="body" sz="quarter" idx="14" hasCustomPrompt="1"/>
+            <p:ph type="body" sz="quarter" idx="13" hasCustomPrompt="1"/>
           </p:nvPr>
         </p:nvSpPr>
         <p:spPr>
           <a:xfrm>
-            <a:off x="10417484" y="4617050"/>
-            <a:ext cx="1689479" cy="1636948"/>
+            <a:off x="62558" y="168401"/>
+            <a:ext cx="3767261" cy="469764"/>
           </a:xfrm>
           <a:prstGeom prst="rect">
             <a:avLst/>
           </a:prstGeom>
         </p:spPr>
         <p:txBody>
-          <a:bodyPr>
-            <a:normAutofit/>
-          </a:bodyPr>
+          <a:bodyPr anchor="ctr" anchorCtr="0"/>
           <a:lstStyle>
-            <a:lvl1pPr marL="0" indent="0">
+            <a:lvl1pPr marL="0" indent="0" algn="ctr">
               <a:buNone/>
-              <a:defRPr sz="1600">
+              <a:defRPr sz="1800" baseline="0">
+                <a:solidFill>
+                  <a:schemeClr val="bg1"/>
+                </a:solidFill>
                 <a:latin typeface="Arial Nova Light" panose="020B0304020202020204" pitchFamily="34" charset="0"/>
                 <a:cs typeface="Arial Nova Light" panose="020B0304020202020204" pitchFamily="34" charset="0"/>
               </a:defRPr>
@@ -1045,61 +1000,89 @@
           <a:p>
             <a:pPr lvl="0"/>
             <a:r>
-              <a:rPr lang="fr-FR" dirty="0"/>
-              <a:t>présentateurs</a:t>
+              <a:rPr lang="fr-FR" dirty="0" smtClean="0"/>
+              <a:t>Date</a:t>
             </a:r>
-            <a:endParaRPr lang="en-US" dirty="0"/>
+            <a:endParaRPr lang="fr-FR" dirty="0"/>
           </a:p>
         </p:txBody>
       </p:sp>
-      <p:sp>
-        <p:nvSpPr>
-          <p:cNvPr id="26" name="Espace réservé du texte 24">
+      <p:pic>
+        <p:nvPicPr>
+          <p:cNvPr id="14" name="Picture 2" descr="https://lh5.googleusercontent.com/LR7EV68FnLlpvf9k-RIQJ-eD5C3k31B9ByLnd4xQ6hM_oi1lk7-VIbubPEAHXzShkhCi-lXDR2bNMQC7zSu1lFnheVULs7nlMlKXqZZUrHLQlG3xizIWzOfhhgVwDNqFWk4qITlN1V4"/>
+          <p:cNvPicPr>
+            <a:picLocks noChangeAspect="1" noChangeArrowheads="1"/>
+          </p:cNvPicPr>
+          <p:nvPr userDrawn="1"/>
+        </p:nvPicPr>
+        <p:blipFill>
+          <a:blip r:embed="rId4" cstate="print">
             <a:extLst>
-              <a:ext uri="{FF2B5EF4-FFF2-40B4-BE49-F238E27FC236}">
-                <a16:creationId xmlns:a16="http://schemas.microsoft.com/office/drawing/2014/main" id="{3A5F416F-C588-4D52-87A4-E5A88E5BAD4A}"/>
+              <a:ext uri="{28A0092B-C50C-407E-A947-70E740481C1C}">
+                <a14:useLocalDpi xmlns:a14="http://schemas.microsoft.com/office/drawing/2010/main" val="0"/>
               </a:ext>
             </a:extLst>
-          </p:cNvPr>
-          <p:cNvSpPr>
-            <a:spLocks noGrp="1"/>
-          </p:cNvSpPr>
-          <p:nvPr>
-            <p:ph type="body" sz="quarter" idx="15" hasCustomPrompt="1"/>
-          </p:nvPr>
-        </p:nvSpPr>
-        <p:spPr>
+          </a:blip>
+          <a:srcRect/>
+          <a:stretch>
+            <a:fillRect/>
+          </a:stretch>
+        </p:blipFill>
+        <p:spPr bwMode="auto">
           <a:xfrm>
-            <a:off x="9401842" y="5211731"/>
-            <a:ext cx="499168" cy="388747"/>
+            <a:off x="8456588" y="-125139"/>
+            <a:ext cx="1091672" cy="1091672"/>
           </a:xfrm>
           <a:prstGeom prst="rect">
             <a:avLst/>
           </a:prstGeom>
+          <a:noFill/>
+          <a:extLst>
+            <a:ext uri="{909E8E84-426E-40DD-AFC4-6F175D3DCCD1}">
+              <a14:hiddenFill xmlns:a14="http://schemas.microsoft.com/office/drawing/2010/main">
+                <a:solidFill>
+                  <a:srgbClr val="FFFFFF"/>
+                </a:solidFill>
+              </a14:hiddenFill>
+            </a:ext>
+          </a:extLst>
         </p:spPr>
-        <p:txBody>
-          <a:bodyPr>
-            <a:normAutofit/>
-          </a:bodyPr>
-          <a:lstStyle>
-            <a:lvl1pPr marL="0" indent="0">
-              <a:buNone/>
-              <a:defRPr sz="1600">
-                <a:latin typeface="Arial Nova Light" panose="020B0304020202020204" pitchFamily="34" charset="0"/>
-                <a:cs typeface="Arial Nova Light" panose="020B0304020202020204" pitchFamily="34" charset="0"/>
-              </a:defRPr>
-            </a:lvl1pPr>
-          </a:lstStyle>
-          <a:p>
-            <a:pPr lvl="0"/>
-            <a:r>
-              <a:rPr lang="fr-FR" dirty="0"/>
-              <a:t>par</a:t>
-            </a:r>
-            <a:endParaRPr lang="en-US" dirty="0"/>
-          </a:p>
-        </p:txBody>
-      </p:sp>
+      </p:pic>
+      <p:cxnSp>
+        <p:nvCxnSpPr>
+          <p:cNvPr id="4" name="Connecteur droit 3"/>
+          <p:cNvCxnSpPr/>
+          <p:nvPr userDrawn="1"/>
+        </p:nvCxnSpPr>
+        <p:spPr>
+          <a:xfrm>
+            <a:off x="9706701" y="0"/>
+            <a:ext cx="9625" cy="862051"/>
+          </a:xfrm>
+          <a:prstGeom prst="line">
+            <a:avLst/>
+          </a:prstGeom>
+          <a:ln>
+            <a:solidFill>
+              <a:schemeClr val="bg1"/>
+            </a:solidFill>
+          </a:ln>
+        </p:spPr>
+        <p:style>
+          <a:lnRef idx="1">
+            <a:schemeClr val="accent1"/>
+          </a:lnRef>
+          <a:fillRef idx="0">
+            <a:schemeClr val="accent1"/>
+          </a:fillRef>
+          <a:effectRef idx="0">
+            <a:schemeClr val="accent1"/>
+          </a:effectRef>
+          <a:fontRef idx="minor">
+            <a:schemeClr val="tx1"/>
+          </a:fontRef>
+        </p:style>
+      </p:cxnSp>
     </p:spTree>
     <p:extLst>
       <p:ext uri="{BB962C8B-B14F-4D97-AF65-F5344CB8AC3E}">
@@ -1114,7 +1097,7 @@
 </file>
 
 <file path=ppt/slideLayouts/slideLayout2.xml><?xml version="1.0" encoding="utf-8"?>
-<p:sldLayout xmlns:a="http://schemas.openxmlformats.org/drawingml/2006/main" xmlns:r="http://schemas.openxmlformats.org/officeDocument/2006/relationships" xmlns:p="http://schemas.openxmlformats.org/presentationml/2006/main" type="title" preserve="1">
+<p:sldLayout xmlns:a="http://schemas.openxmlformats.org/drawingml/2006/main" xmlns:r="http://schemas.openxmlformats.org/officeDocument/2006/relationships" xmlns:p="http://schemas.openxmlformats.org/presentationml/2006/main" preserve="1" userDrawn="1">
   <p:cSld name="Corps">
     <p:spTree>
       <p:nvGrpSpPr>
@@ -1135,7 +1118,7 @@
           <p:cNvPr id="7" name="Rectangle 6">
             <a:extLst>
               <a:ext uri="{FF2B5EF4-FFF2-40B4-BE49-F238E27FC236}">
-                <a16:creationId xmlns:a16="http://schemas.microsoft.com/office/drawing/2014/main" id="{BFB037AB-4A66-4EAE-9FB1-662CC52AC4BA}"/>
+                <a16:creationId xmlns:a16="http://schemas.microsoft.com/office/drawing/2014/main" xmlns="" id="{BFB037AB-4A66-4EAE-9FB1-662CC52AC4BA}"/>
               </a:ext>
             </a:extLst>
           </p:cNvPr>
@@ -1185,7 +1168,7 @@
           <p:cNvPr id="8" name="Groupe 7">
             <a:extLst>
               <a:ext uri="{FF2B5EF4-FFF2-40B4-BE49-F238E27FC236}">
-                <a16:creationId xmlns:a16="http://schemas.microsoft.com/office/drawing/2014/main" id="{6C51E171-9D69-4EF7-A7CD-795196410CBC}"/>
+                <a16:creationId xmlns:a16="http://schemas.microsoft.com/office/drawing/2014/main" xmlns="" id="{6C51E171-9D69-4EF7-A7CD-795196410CBC}"/>
               </a:ext>
             </a:extLst>
           </p:cNvPr>
@@ -1194,10 +1177,10 @@
         </p:nvGrpSpPr>
         <p:grpSpPr>
           <a:xfrm>
-            <a:off x="8883603" y="-43826"/>
-            <a:ext cx="3120669" cy="1273120"/>
-            <a:chOff x="9071331" y="-43826"/>
-            <a:chExt cx="3120669" cy="1273120"/>
+            <a:off x="9615638" y="-2664"/>
+            <a:ext cx="2388623" cy="1231958"/>
+            <a:chOff x="8967390" y="-2664"/>
+            <a:chExt cx="3224610" cy="1231958"/>
           </a:xfrm>
         </p:grpSpPr>
         <p:sp>
@@ -1205,7 +1188,7 @@
             <p:cNvPr id="9" name="Parallélogramme 8">
               <a:extLst>
                 <a:ext uri="{FF2B5EF4-FFF2-40B4-BE49-F238E27FC236}">
-                  <a16:creationId xmlns:a16="http://schemas.microsoft.com/office/drawing/2014/main" id="{31941D54-8960-4DF0-8480-5AD1E0A4A8B3}"/>
+                  <a16:creationId xmlns:a16="http://schemas.microsoft.com/office/drawing/2014/main" xmlns="" id="{31941D54-8960-4DF0-8480-5AD1E0A4A8B3}"/>
                 </a:ext>
               </a:extLst>
             </p:cNvPr>
@@ -1254,84 +1237,12 @@
             </a:p>
           </p:txBody>
         </p:sp>
-        <p:pic>
-          <p:nvPicPr>
-            <p:cNvPr id="10" name="Image 9" descr="Une image contenant extérieur&#10;&#10;Description générée avec un niveau de confiance très élevé">
-              <a:extLst>
-                <a:ext uri="{FF2B5EF4-FFF2-40B4-BE49-F238E27FC236}">
-                  <a16:creationId xmlns:a16="http://schemas.microsoft.com/office/drawing/2014/main" id="{07AAA60E-900F-4F20-9E65-8A59BFA71160}"/>
-                </a:ext>
-              </a:extLst>
-            </p:cNvPr>
-            <p:cNvPicPr>
-              <a:picLocks noChangeAspect="1"/>
-            </p:cNvPicPr>
-            <p:nvPr userDrawn="1"/>
-          </p:nvPicPr>
-          <p:blipFill>
-            <a:blip r:embed="rId2">
-              <a:extLst>
-                <a:ext uri="{28A0092B-C50C-407E-A947-70E740481C1C}">
-                  <a14:useLocalDpi xmlns:a14="http://schemas.microsoft.com/office/drawing/2010/main" val="0"/>
-                </a:ext>
-              </a:extLst>
-            </a:blip>
-            <a:stretch>
-              <a:fillRect/>
-            </a:stretch>
-          </p:blipFill>
-          <p:spPr>
-            <a:xfrm>
-              <a:off x="10734051" y="-43826"/>
-              <a:ext cx="971965" cy="917535"/>
-            </a:xfrm>
-            <a:prstGeom prst="rect">
-              <a:avLst/>
-            </a:prstGeom>
-          </p:spPr>
-        </p:pic>
-        <p:pic>
-          <p:nvPicPr>
-            <p:cNvPr id="11" name="Image 10">
-              <a:extLst>
-                <a:ext uri="{FF2B5EF4-FFF2-40B4-BE49-F238E27FC236}">
-                  <a16:creationId xmlns:a16="http://schemas.microsoft.com/office/drawing/2014/main" id="{AF2F3C16-DF90-49D6-830D-835720DB3314}"/>
-                </a:ext>
-              </a:extLst>
-            </p:cNvPr>
-            <p:cNvPicPr>
-              <a:picLocks noChangeAspect="1"/>
-            </p:cNvPicPr>
-            <p:nvPr userDrawn="1"/>
-          </p:nvPicPr>
-          <p:blipFill>
-            <a:blip r:embed="rId3">
-              <a:extLst>
-                <a:ext uri="{28A0092B-C50C-407E-A947-70E740481C1C}">
-                  <a14:useLocalDpi xmlns:a14="http://schemas.microsoft.com/office/drawing/2010/main" val="0"/>
-                </a:ext>
-              </a:extLst>
-            </a:blip>
-            <a:stretch>
-              <a:fillRect/>
-            </a:stretch>
-          </p:blipFill>
-          <p:spPr>
-            <a:xfrm>
-              <a:off x="9912416" y="-40229"/>
-              <a:ext cx="921108" cy="921108"/>
-            </a:xfrm>
-            <a:prstGeom prst="rect">
-              <a:avLst/>
-            </a:prstGeom>
-          </p:spPr>
-        </p:pic>
         <p:sp>
           <p:nvSpPr>
             <p:cNvPr id="12" name="Parallélogramme 11">
               <a:extLst>
                 <a:ext uri="{FF2B5EF4-FFF2-40B4-BE49-F238E27FC236}">
-                  <a16:creationId xmlns:a16="http://schemas.microsoft.com/office/drawing/2014/main" id="{7E7E7C8A-8E48-48D0-AE1B-6538791686C6}"/>
+                  <a16:creationId xmlns:a16="http://schemas.microsoft.com/office/drawing/2014/main" xmlns="" id="{7E7E7C8A-8E48-48D0-AE1B-6538791686C6}"/>
                 </a:ext>
               </a:extLst>
             </p:cNvPr>
@@ -1340,8 +1251,8 @@
           </p:nvSpPr>
           <p:spPr>
             <a:xfrm>
-              <a:off x="9071331" y="873710"/>
-              <a:ext cx="2415913" cy="355584"/>
+              <a:off x="8967390" y="873710"/>
+              <a:ext cx="2260953" cy="355584"/>
             </a:xfrm>
             <a:prstGeom prst="parallelogram">
               <a:avLst>
@@ -1377,7 +1288,7 @@
             <a:p>
               <a:pPr algn="ctr"/>
               <a:r>
-                <a:rPr lang="fr-FR" dirty="0">
+                <a:rPr lang="fr-FR" sz="1700" dirty="0">
                   <a:solidFill>
                     <a:srgbClr val="C00000"/>
                   </a:solidFill>
@@ -1385,7 +1296,7 @@
                 </a:rPr>
                 <a:t>TOLOSAT</a:t>
               </a:r>
-              <a:endParaRPr lang="en-US" dirty="0">
+              <a:endParaRPr lang="en-US" sz="1700" dirty="0">
                 <a:solidFill>
                   <a:srgbClr val="C00000"/>
                 </a:solidFill>
@@ -1400,7 +1311,7 @@
           <p:cNvPr id="2" name="Titre 1">
             <a:extLst>
               <a:ext uri="{FF2B5EF4-FFF2-40B4-BE49-F238E27FC236}">
-                <a16:creationId xmlns:a16="http://schemas.microsoft.com/office/drawing/2014/main" id="{7E4F59EC-0E6A-4643-93CA-F87449FACD6A}"/>
+                <a16:creationId xmlns:a16="http://schemas.microsoft.com/office/drawing/2014/main" xmlns="" id="{7E4F59EC-0E6A-4643-93CA-F87449FACD6A}"/>
               </a:ext>
             </a:extLst>
           </p:cNvPr>
@@ -1444,7 +1355,7 @@
           <p:cNvPr id="3" name="Sous-titre 2">
             <a:extLst>
               <a:ext uri="{FF2B5EF4-FFF2-40B4-BE49-F238E27FC236}">
-                <a16:creationId xmlns:a16="http://schemas.microsoft.com/office/drawing/2014/main" id="{A5838F80-0A19-44AD-BA2C-E69868960852}"/>
+                <a16:creationId xmlns:a16="http://schemas.microsoft.com/office/drawing/2014/main" xmlns="" id="{A5838F80-0A19-44AD-BA2C-E69868960852}"/>
               </a:ext>
             </a:extLst>
           </p:cNvPr>
@@ -1521,7 +1432,7 @@
           <p:cNvPr id="4" name="Espace réservé de la date 3">
             <a:extLst>
               <a:ext uri="{FF2B5EF4-FFF2-40B4-BE49-F238E27FC236}">
-                <a16:creationId xmlns:a16="http://schemas.microsoft.com/office/drawing/2014/main" id="{DDFEBEF4-66BD-447C-ADB2-5043A8CA7926}"/>
+                <a16:creationId xmlns:a16="http://schemas.microsoft.com/office/drawing/2014/main" xmlns="" id="{DDFEBEF4-66BD-447C-ADB2-5043A8CA7926}"/>
               </a:ext>
             </a:extLst>
           </p:cNvPr>
@@ -1555,51 +1466,8 @@
           <a:p>
             <a:fld id="{315BE287-C7AC-4642-9718-50EAE9542224}" type="datetime1">
               <a:rPr lang="en-US" smtClean="0"/>
-              <a:t>9/16/2018</a:t>
+              <a:t>10/29/2018</a:t>
             </a:fld>
-            <a:endParaRPr lang="en-US" dirty="0"/>
-          </a:p>
-        </p:txBody>
-      </p:sp>
-      <p:sp>
-        <p:nvSpPr>
-          <p:cNvPr id="5" name="Espace réservé du pied de page 4">
-            <a:extLst>
-              <a:ext uri="{FF2B5EF4-FFF2-40B4-BE49-F238E27FC236}">
-                <a16:creationId xmlns:a16="http://schemas.microsoft.com/office/drawing/2014/main" id="{48031BC2-2D91-49EA-9603-2CA0AF8C5532}"/>
-              </a:ext>
-            </a:extLst>
-          </p:cNvPr>
-          <p:cNvSpPr>
-            <a:spLocks noGrp="1"/>
-          </p:cNvSpPr>
-          <p:nvPr>
-            <p:ph type="ftr" sz="quarter" idx="11"/>
-          </p:nvPr>
-        </p:nvSpPr>
-        <p:spPr>
-          <a:xfrm>
-            <a:off x="4038600" y="6356350"/>
-            <a:ext cx="4114800" cy="365125"/>
-          </a:xfrm>
-          <a:prstGeom prst="rect">
-            <a:avLst/>
-          </a:prstGeom>
-        </p:spPr>
-        <p:txBody>
-          <a:bodyPr/>
-          <a:lstStyle>
-            <a:lvl1pPr>
-              <a:defRPr>
-                <a:solidFill>
-                  <a:schemeClr val="bg1"/>
-                </a:solidFill>
-                <a:latin typeface="Arial Nova Light" panose="020B0304020202020204" pitchFamily="34" charset="0"/>
-                <a:cs typeface="Arial Nova Light" panose="020B0304020202020204" pitchFamily="34" charset="0"/>
-              </a:defRPr>
-            </a:lvl1pPr>
-          </a:lstStyle>
-          <a:p>
             <a:endParaRPr lang="en-US" dirty="0"/>
           </a:p>
         </p:txBody>
@@ -1609,7 +1477,7 @@
           <p:cNvPr id="6" name="Espace réservé du numéro de diapositive 5">
             <a:extLst>
               <a:ext uri="{FF2B5EF4-FFF2-40B4-BE49-F238E27FC236}">
-                <a16:creationId xmlns:a16="http://schemas.microsoft.com/office/drawing/2014/main" id="{C2DAA401-826A-4C5F-AD43-1F0AB89B4BA5}"/>
+                <a16:creationId xmlns:a16="http://schemas.microsoft.com/office/drawing/2014/main" xmlns="" id="{C2DAA401-826A-4C5F-AD43-1F0AB89B4BA5}"/>
               </a:ext>
             </a:extLst>
           </p:cNvPr>
@@ -1652,6 +1520,176 @@
           </a:p>
         </p:txBody>
       </p:sp>
+      <p:pic>
+        <p:nvPicPr>
+          <p:cNvPr id="13" name="Picture 2" descr="https://lh5.googleusercontent.com/DGltPXPb6ksRUWc8_-lXybtQmKntXr52mhVrwSyah73KY6mHdpky6A96vfpWEf4xp2DjNsbpCIlzhzglFYA-Cfa6w6ceKWXRKCMlwZAVei45pehQz_Itflyirn_POMoBD4cMkJupGAV4Byul1w"/>
+          <p:cNvPicPr>
+            <a:picLocks noChangeAspect="1" noChangeArrowheads="1"/>
+          </p:cNvPicPr>
+          <p:nvPr userDrawn="1"/>
+        </p:nvPicPr>
+        <p:blipFill rotWithShape="1">
+          <a:blip r:embed="rId2" cstate="print">
+            <a:extLst>
+              <a:ext uri="{28A0092B-C50C-407E-A947-70E740481C1C}">
+                <a14:useLocalDpi xmlns:a14="http://schemas.microsoft.com/office/drawing/2010/main" val="0"/>
+              </a:ext>
+            </a:extLst>
+          </a:blip>
+          <a:srcRect l="66582" t="43661" r="25736" b="38899"/>
+          <a:stretch/>
+        </p:blipFill>
+        <p:spPr bwMode="auto">
+          <a:xfrm>
+            <a:off x="8330304" y="6367101"/>
+            <a:ext cx="399211" cy="511711"/>
+          </a:xfrm>
+          <a:prstGeom prst="rect">
+            <a:avLst/>
+          </a:prstGeom>
+          <a:noFill/>
+          <a:extLst>
+            <a:ext uri="{909E8E84-426E-40DD-AFC4-6F175D3DCCD1}">
+              <a14:hiddenFill xmlns:a14="http://schemas.microsoft.com/office/drawing/2010/main">
+                <a:solidFill>
+                  <a:srgbClr val="FFFFFF"/>
+                </a:solidFill>
+              </a14:hiddenFill>
+            </a:ext>
+          </a:extLst>
+        </p:spPr>
+      </p:pic>
+      <p:pic>
+        <p:nvPicPr>
+          <p:cNvPr id="14" name="Picture 2" descr="https://lh5.googleusercontent.com/DGltPXPb6ksRUWc8_-lXybtQmKntXr52mhVrwSyah73KY6mHdpky6A96vfpWEf4xp2DjNsbpCIlzhzglFYA-Cfa6w6ceKWXRKCMlwZAVei45pehQz_Itflyirn_POMoBD4cMkJupGAV4Byul1w"/>
+          <p:cNvPicPr>
+            <a:picLocks noChangeAspect="1" noChangeArrowheads="1"/>
+          </p:cNvPicPr>
+          <p:nvPr userDrawn="1"/>
+        </p:nvPicPr>
+        <p:blipFill rotWithShape="1">
+          <a:blip r:embed="rId3" cstate="print">
+            <a:extLst>
+              <a:ext uri="{28A0092B-C50C-407E-A947-70E740481C1C}">
+                <a14:useLocalDpi xmlns:a14="http://schemas.microsoft.com/office/drawing/2010/main" val="0"/>
+              </a:ext>
+            </a:extLst>
+          </a:blip>
+          <a:srcRect l="20389" t="6407" r="64756" b="58326"/>
+          <a:stretch/>
+        </p:blipFill>
+        <p:spPr bwMode="auto">
+          <a:xfrm rot="172654">
+            <a:off x="11220632" y="214175"/>
+            <a:ext cx="940563" cy="1250909"/>
+          </a:xfrm>
+          <a:prstGeom prst="rect">
+            <a:avLst/>
+          </a:prstGeom>
+          <a:noFill/>
+          <a:extLst>
+            <a:ext uri="{909E8E84-426E-40DD-AFC4-6F175D3DCCD1}">
+              <a14:hiddenFill xmlns:a14="http://schemas.microsoft.com/office/drawing/2010/main">
+                <a:solidFill>
+                  <a:srgbClr val="FFFFFF"/>
+                </a:solidFill>
+              </a14:hiddenFill>
+            </a:ext>
+          </a:extLst>
+        </p:spPr>
+      </p:pic>
+      <p:sp>
+        <p:nvSpPr>
+          <p:cNvPr id="16" name="Espace réservé du texte 15"/>
+          <p:cNvSpPr>
+            <a:spLocks noGrp="1"/>
+          </p:cNvSpPr>
+          <p:nvPr>
+            <p:ph type="body" sz="quarter" idx="13" hasCustomPrompt="1"/>
+          </p:nvPr>
+        </p:nvSpPr>
+        <p:spPr>
+          <a:xfrm>
+            <a:off x="4867819" y="6327475"/>
+            <a:ext cx="3767261" cy="469764"/>
+          </a:xfrm>
+          <a:prstGeom prst="rect">
+            <a:avLst/>
+          </a:prstGeom>
+        </p:spPr>
+        <p:txBody>
+          <a:bodyPr anchor="ctr" anchorCtr="0"/>
+          <a:lstStyle>
+            <a:lvl1pPr marL="0" indent="0">
+              <a:buNone/>
+              <a:defRPr sz="1800" baseline="0">
+                <a:solidFill>
+                  <a:schemeClr val="bg1"/>
+                </a:solidFill>
+                <a:latin typeface="Arial Nova Light" panose="020B0304020202020204" pitchFamily="34" charset="0"/>
+                <a:cs typeface="Arial Nova Light" panose="020B0304020202020204" pitchFamily="34" charset="0"/>
+              </a:defRPr>
+            </a:lvl1pPr>
+          </a:lstStyle>
+          <a:p>
+            <a:pPr lvl="0"/>
+            <a:r>
+              <a:rPr lang="fr-FR" dirty="0" err="1" smtClean="0"/>
+              <a:t>Presentation</a:t>
+            </a:r>
+            <a:r>
+              <a:rPr lang="fr-FR" dirty="0" smtClean="0"/>
+              <a:t> </a:t>
+            </a:r>
+            <a:r>
+              <a:rPr lang="fr-FR" dirty="0" err="1" smtClean="0"/>
+              <a:t>title</a:t>
+            </a:r>
+            <a:endParaRPr lang="fr-FR" dirty="0"/>
+          </a:p>
+        </p:txBody>
+      </p:sp>
+      <p:pic>
+        <p:nvPicPr>
+          <p:cNvPr id="17" name="Picture 2" descr="https://lh5.googleusercontent.com/LR7EV68FnLlpvf9k-RIQJ-eD5C3k31B9ByLnd4xQ6hM_oi1lk7-VIbubPEAHXzShkhCi-lXDR2bNMQC7zSu1lFnheVULs7nlMlKXqZZUrHLQlG3xizIWzOfhhgVwDNqFWk4qITlN1V4"/>
+          <p:cNvPicPr>
+            <a:picLocks noChangeAspect="1" noChangeArrowheads="1"/>
+          </p:cNvPicPr>
+          <p:nvPr userDrawn="1"/>
+        </p:nvPicPr>
+        <p:blipFill>
+          <a:blip r:embed="rId4" cstate="print">
+            <a:extLst>
+              <a:ext uri="{28A0092B-C50C-407E-A947-70E740481C1C}">
+                <a14:useLocalDpi xmlns:a14="http://schemas.microsoft.com/office/drawing/2010/main" val="0"/>
+              </a:ext>
+            </a:extLst>
+          </a:blip>
+          <a:srcRect/>
+          <a:stretch>
+            <a:fillRect/>
+          </a:stretch>
+        </p:blipFill>
+        <p:spPr bwMode="auto">
+          <a:xfrm>
+            <a:off x="10383628" y="-107372"/>
+            <a:ext cx="1091672" cy="1091672"/>
+          </a:xfrm>
+          <a:prstGeom prst="rect">
+            <a:avLst/>
+          </a:prstGeom>
+          <a:noFill/>
+          <a:extLst>
+            <a:ext uri="{909E8E84-426E-40DD-AFC4-6F175D3DCCD1}">
+              <a14:hiddenFill xmlns:a14="http://schemas.microsoft.com/office/drawing/2010/main">
+                <a:solidFill>
+                  <a:srgbClr val="FFFFFF"/>
+                </a:solidFill>
+              </a14:hiddenFill>
+            </a:ext>
+          </a:extLst>
+        </p:spPr>
+      </p:pic>
     </p:spTree>
     <p:extLst>
       <p:ext uri="{BB962C8B-B14F-4D97-AF65-F5344CB8AC3E}">
@@ -2002,13 +2040,7 @@
       </p:grpSpPr>
       <p:sp>
         <p:nvSpPr>
-          <p:cNvPr id="6" name="Espace réservé du texte 5">
-            <a:extLst>
-              <a:ext uri="{FF2B5EF4-FFF2-40B4-BE49-F238E27FC236}">
-                <a16:creationId xmlns:a16="http://schemas.microsoft.com/office/drawing/2014/main" id="{550F6AE2-595E-4A43-AD68-BA3D409AC87C}"/>
-              </a:ext>
-            </a:extLst>
-          </p:cNvPr>
+          <p:cNvPr id="2" name="Espace réservé du texte 1"/>
           <p:cNvSpPr>
             <a:spLocks noGrp="1"/>
           </p:cNvSpPr>
@@ -2021,19 +2053,13 @@
           <a:bodyPr/>
           <a:lstStyle/>
           <a:p>
-            <a:endParaRPr lang="en-US"/>
+            <a:endParaRPr lang="fr-FR"/>
           </a:p>
         </p:txBody>
       </p:sp>
       <p:sp>
         <p:nvSpPr>
-          <p:cNvPr id="5" name="Titre 4">
-            <a:extLst>
-              <a:ext uri="{FF2B5EF4-FFF2-40B4-BE49-F238E27FC236}">
-                <a16:creationId xmlns:a16="http://schemas.microsoft.com/office/drawing/2014/main" id="{CD8B363B-8D3A-4DE6-80BC-06B9FC9E4A8A}"/>
-              </a:ext>
-            </a:extLst>
-          </p:cNvPr>
+          <p:cNvPr id="3" name="Titre 2"/>
           <p:cNvSpPr>
             <a:spLocks noGrp="1"/>
           </p:cNvSpPr>
@@ -2046,24 +2072,18 @@
           <a:bodyPr/>
           <a:lstStyle/>
           <a:p>
-            <a:endParaRPr lang="en-US" dirty="0"/>
+            <a:endParaRPr lang="fr-FR"/>
           </a:p>
         </p:txBody>
       </p:sp>
       <p:sp>
         <p:nvSpPr>
-          <p:cNvPr id="7" name="Espace réservé du texte 6">
-            <a:extLst>
-              <a:ext uri="{FF2B5EF4-FFF2-40B4-BE49-F238E27FC236}">
-                <a16:creationId xmlns:a16="http://schemas.microsoft.com/office/drawing/2014/main" id="{DF0DCB01-A8B9-4675-AAFA-22044A864AEC}"/>
-              </a:ext>
-            </a:extLst>
-          </p:cNvPr>
+          <p:cNvPr id="4" name="Espace réservé du texte 3"/>
           <p:cNvSpPr>
             <a:spLocks noGrp="1"/>
           </p:cNvSpPr>
           <p:nvPr>
-            <p:ph type="body" sz="quarter" idx="14"/>
+            <p:ph type="body" sz="quarter" idx="13"/>
           </p:nvPr>
         </p:nvSpPr>
         <p:spPr/>
@@ -2071,39 +2091,14 @@
           <a:bodyPr/>
           <a:lstStyle/>
           <a:p>
-            <a:endParaRPr lang="en-US"/>
-          </a:p>
-        </p:txBody>
-      </p:sp>
-      <p:sp>
-        <p:nvSpPr>
-          <p:cNvPr id="8" name="Espace réservé du texte 7">
-            <a:extLst>
-              <a:ext uri="{FF2B5EF4-FFF2-40B4-BE49-F238E27FC236}">
-                <a16:creationId xmlns:a16="http://schemas.microsoft.com/office/drawing/2014/main" id="{448E51ED-3E5F-49EE-9AB0-58D652FF4D82}"/>
-              </a:ext>
-            </a:extLst>
-          </p:cNvPr>
-          <p:cNvSpPr>
-            <a:spLocks noGrp="1"/>
-          </p:cNvSpPr>
-          <p:nvPr>
-            <p:ph type="body" sz="quarter" idx="15"/>
-          </p:nvPr>
-        </p:nvSpPr>
-        <p:spPr/>
-        <p:txBody>
-          <a:bodyPr/>
-          <a:lstStyle/>
-          <a:p>
-            <a:endParaRPr lang="en-US"/>
+            <a:endParaRPr lang="fr-FR"/>
           </a:p>
         </p:txBody>
       </p:sp>
     </p:spTree>
     <p:extLst>
       <p:ext uri="{BB962C8B-B14F-4D97-AF65-F5344CB8AC3E}">
-        <p14:creationId xmlns:p14="http://schemas.microsoft.com/office/powerpoint/2010/main" val="167260168"/>
+        <p14:creationId xmlns:p14="http://schemas.microsoft.com/office/powerpoint/2010/main" val="432373607"/>
       </p:ext>
     </p:extLst>
   </p:cSld>
@@ -2132,13 +2127,7 @@
       </p:grpSpPr>
       <p:sp>
         <p:nvSpPr>
-          <p:cNvPr id="5" name="Titre 4">
-            <a:extLst>
-              <a:ext uri="{FF2B5EF4-FFF2-40B4-BE49-F238E27FC236}">
-                <a16:creationId xmlns:a16="http://schemas.microsoft.com/office/drawing/2014/main" id="{93358E33-DFF8-446D-A102-EC31A7BADEEB}"/>
-              </a:ext>
-            </a:extLst>
-          </p:cNvPr>
+          <p:cNvPr id="2" name="Titre 1"/>
           <p:cNvSpPr>
             <a:spLocks noGrp="1"/>
           </p:cNvSpPr>
@@ -2151,19 +2140,13 @@
           <a:bodyPr/>
           <a:lstStyle/>
           <a:p>
-            <a:endParaRPr lang="en-US" dirty="0"/>
+            <a:endParaRPr lang="fr-FR"/>
           </a:p>
         </p:txBody>
       </p:sp>
       <p:sp>
         <p:nvSpPr>
-          <p:cNvPr id="6" name="Sous-titre 5">
-            <a:extLst>
-              <a:ext uri="{FF2B5EF4-FFF2-40B4-BE49-F238E27FC236}">
-                <a16:creationId xmlns:a16="http://schemas.microsoft.com/office/drawing/2014/main" id="{EFCB9204-1784-494C-8CE6-844421C9C6E8}"/>
-              </a:ext>
-            </a:extLst>
-          </p:cNvPr>
+          <p:cNvPr id="3" name="Sous-titre 2"/>
           <p:cNvSpPr>
             <a:spLocks noGrp="1"/>
           </p:cNvSpPr>
@@ -2176,19 +2159,13 @@
           <a:bodyPr/>
           <a:lstStyle/>
           <a:p>
-            <a:endParaRPr lang="en-US"/>
+            <a:endParaRPr lang="fr-FR"/>
           </a:p>
         </p:txBody>
       </p:sp>
       <p:sp>
         <p:nvSpPr>
-          <p:cNvPr id="4" name="Espace réservé du numéro de diapositive 3">
-            <a:extLst>
-              <a:ext uri="{FF2B5EF4-FFF2-40B4-BE49-F238E27FC236}">
-                <a16:creationId xmlns:a16="http://schemas.microsoft.com/office/drawing/2014/main" id="{C39503B1-5782-4808-AC85-2B00B8D5B1E7}"/>
-              </a:ext>
-            </a:extLst>
-          </p:cNvPr>
+          <p:cNvPr id="4" name="Espace réservé du numéro de diapositive 3"/>
           <p:cNvSpPr>
             <a:spLocks noGrp="1"/>
           </p:cNvSpPr>
@@ -2210,10 +2187,29 @@
           </a:p>
         </p:txBody>
       </p:sp>
+      <p:sp>
+        <p:nvSpPr>
+          <p:cNvPr id="5" name="Espace réservé du texte 4"/>
+          <p:cNvSpPr>
+            <a:spLocks noGrp="1"/>
+          </p:cNvSpPr>
+          <p:nvPr>
+            <p:ph type="body" sz="quarter" idx="13"/>
+          </p:nvPr>
+        </p:nvSpPr>
+        <p:spPr/>
+        <p:txBody>
+          <a:bodyPr/>
+          <a:lstStyle/>
+          <a:p>
+            <a:endParaRPr lang="fr-FR"/>
+          </a:p>
+        </p:txBody>
+      </p:sp>
     </p:spTree>
     <p:extLst>
       <p:ext uri="{BB962C8B-B14F-4D97-AF65-F5344CB8AC3E}">
-        <p14:creationId xmlns:p14="http://schemas.microsoft.com/office/powerpoint/2010/main" val="2897959152"/>
+        <p14:creationId xmlns:p14="http://schemas.microsoft.com/office/powerpoint/2010/main" val="754550713"/>
       </p:ext>
     </p:extLst>
   </p:cSld>

--- a/Files/Ppt mask.pptx
+++ b/Files/Ppt mask.pptx
@@ -5,11 +5,10 @@
     <p:sldMasterId id="2147483648" r:id="rId1"/>
   </p:sldMasterIdLst>
   <p:notesMasterIdLst>
-    <p:notesMasterId r:id="rId4"/>
+    <p:notesMasterId r:id="rId3"/>
   </p:notesMasterIdLst>
   <p:sldIdLst>
     <p:sldId id="256" r:id="rId2"/>
-    <p:sldId id="257" r:id="rId3"/>
   </p:sldIdLst>
   <p:sldSz cx="12192000" cy="6858000"/>
   <p:notesSz cx="6858000" cy="9144000"/>
@@ -198,7 +197,7 @@
           <a:p>
             <a:fld id="{CBD02DE9-54A9-4CA7-91F3-710D21D0B6EC}" type="datetimeFigureOut">
               <a:rPr lang="en-US" smtClean="0"/>
-              <a:t>10/29/2018</a:t>
+              <a:t>1/27/2019</a:t>
             </a:fld>
             <a:endParaRPr lang="en-US" dirty="0"/>
           </a:p>
@@ -1466,7 +1465,7 @@
           <a:p>
             <a:fld id="{315BE287-C7AC-4642-9718-50EAE9542224}" type="datetime1">
               <a:rPr lang="en-US" smtClean="0"/>
-              <a:t>10/29/2018</a:t>
+              <a:t>1/27/2019</a:t>
             </a:fld>
             <a:endParaRPr lang="en-US" dirty="0"/>
           </a:p>
@@ -1634,16 +1633,8 @@
           <a:p>
             <a:pPr lvl="0"/>
             <a:r>
-              <a:rPr lang="fr-FR" dirty="0" err="1" smtClean="0"/>
-              <a:t>Presentation</a:t>
-            </a:r>
-            <a:r>
               <a:rPr lang="fr-FR" dirty="0" smtClean="0"/>
-              <a:t> </a:t>
-            </a:r>
-            <a:r>
-              <a:rPr lang="fr-FR" dirty="0" err="1" smtClean="0"/>
-              <a:t>title</a:t>
+              <a:t>RSS meeting</a:t>
             </a:r>
             <a:endParaRPr lang="fr-FR" dirty="0"/>
           </a:p>
@@ -1700,6 +1691,13 @@
   <p:clrMapOvr>
     <a:masterClrMapping/>
   </p:clrMapOvr>
+  <p:timing>
+    <p:tnLst>
+      <p:par>
+        <p:cTn id="1" dur="indefinite" restart="never" nodeType="tmRoot"/>
+      </p:par>
+    </p:tnLst>
+  </p:timing>
 </p:sldLayout>
 </file>
 
@@ -2040,26 +2038,7 @@
       </p:grpSpPr>
       <p:sp>
         <p:nvSpPr>
-          <p:cNvPr id="2" name="Espace réservé du texte 1"/>
-          <p:cNvSpPr>
-            <a:spLocks noGrp="1"/>
-          </p:cNvSpPr>
-          <p:nvPr>
-            <p:ph type="body" sz="quarter" idx="12"/>
-          </p:nvPr>
-        </p:nvSpPr>
-        <p:spPr/>
-        <p:txBody>
-          <a:bodyPr/>
-          <a:lstStyle/>
-          <a:p>
-            <a:endParaRPr lang="fr-FR"/>
-          </a:p>
-        </p:txBody>
-      </p:sp>
-      <p:sp>
-        <p:nvSpPr>
-          <p:cNvPr id="3" name="Titre 2"/>
+          <p:cNvPr id="2" name="Titre 1"/>
           <p:cNvSpPr>
             <a:spLocks noGrp="1"/>
           </p:cNvSpPr>
@@ -2078,7 +2057,7 @@
       </p:sp>
       <p:sp>
         <p:nvSpPr>
-          <p:cNvPr id="4" name="Espace réservé du texte 3"/>
+          <p:cNvPr id="5" name="Espace réservé du texte 4"/>
           <p:cNvSpPr>
             <a:spLocks noGrp="1"/>
           </p:cNvSpPr>
@@ -2105,117 +2084,13 @@
   <p:clrMapOvr>
     <a:masterClrMapping/>
   </p:clrMapOvr>
-</p:sld>
-</file>
-
-<file path=ppt/slides/slide2.xml><?xml version="1.0" encoding="utf-8"?>
-<p:sld xmlns:a="http://schemas.openxmlformats.org/drawingml/2006/main" xmlns:r="http://schemas.openxmlformats.org/officeDocument/2006/relationships" xmlns:p="http://schemas.openxmlformats.org/presentationml/2006/main">
-  <p:cSld>
-    <p:spTree>
-      <p:nvGrpSpPr>
-        <p:cNvPr id="1" name=""/>
-        <p:cNvGrpSpPr/>
-        <p:nvPr/>
-      </p:nvGrpSpPr>
-      <p:grpSpPr>
-        <a:xfrm>
-          <a:off x="0" y="0"/>
-          <a:ext cx="0" cy="0"/>
-          <a:chOff x="0" y="0"/>
-          <a:chExt cx="0" cy="0"/>
-        </a:xfrm>
-      </p:grpSpPr>
-      <p:sp>
-        <p:nvSpPr>
-          <p:cNvPr id="2" name="Titre 1"/>
-          <p:cNvSpPr>
-            <a:spLocks noGrp="1"/>
-          </p:cNvSpPr>
-          <p:nvPr>
-            <p:ph type="ctrTitle"/>
-          </p:nvPr>
-        </p:nvSpPr>
-        <p:spPr/>
-        <p:txBody>
-          <a:bodyPr/>
-          <a:lstStyle/>
-          <a:p>
-            <a:endParaRPr lang="fr-FR"/>
-          </a:p>
-        </p:txBody>
-      </p:sp>
-      <p:sp>
-        <p:nvSpPr>
-          <p:cNvPr id="3" name="Sous-titre 2"/>
-          <p:cNvSpPr>
-            <a:spLocks noGrp="1"/>
-          </p:cNvSpPr>
-          <p:nvPr>
-            <p:ph type="subTitle" idx="1"/>
-          </p:nvPr>
-        </p:nvSpPr>
-        <p:spPr/>
-        <p:txBody>
-          <a:bodyPr/>
-          <a:lstStyle/>
-          <a:p>
-            <a:endParaRPr lang="fr-FR"/>
-          </a:p>
-        </p:txBody>
-      </p:sp>
-      <p:sp>
-        <p:nvSpPr>
-          <p:cNvPr id="4" name="Espace réservé du numéro de diapositive 3"/>
-          <p:cNvSpPr>
-            <a:spLocks noGrp="1"/>
-          </p:cNvSpPr>
-          <p:nvPr>
-            <p:ph type="sldNum" sz="quarter" idx="12"/>
-          </p:nvPr>
-        </p:nvSpPr>
-        <p:spPr/>
-        <p:txBody>
-          <a:bodyPr/>
-          <a:lstStyle/>
-          <a:p>
-            <a:fld id="{9E937E72-11F5-44A2-9DC0-74EEC05A6D21}" type="slidenum">
-              <a:rPr lang="en-US" smtClean="0"/>
-              <a:pPr/>
-              <a:t>2</a:t>
-            </a:fld>
-            <a:endParaRPr lang="en-US" dirty="0"/>
-          </a:p>
-        </p:txBody>
-      </p:sp>
-      <p:sp>
-        <p:nvSpPr>
-          <p:cNvPr id="5" name="Espace réservé du texte 4"/>
-          <p:cNvSpPr>
-            <a:spLocks noGrp="1"/>
-          </p:cNvSpPr>
-          <p:nvPr>
-            <p:ph type="body" sz="quarter" idx="13"/>
-          </p:nvPr>
-        </p:nvSpPr>
-        <p:spPr/>
-        <p:txBody>
-          <a:bodyPr/>
-          <a:lstStyle/>
-          <a:p>
-            <a:endParaRPr lang="fr-FR"/>
-          </a:p>
-        </p:txBody>
-      </p:sp>
-    </p:spTree>
-    <p:extLst>
-      <p:ext uri="{BB962C8B-B14F-4D97-AF65-F5344CB8AC3E}">
-        <p14:creationId xmlns:p14="http://schemas.microsoft.com/office/powerpoint/2010/main" val="754550713"/>
-      </p:ext>
-    </p:extLst>
-  </p:cSld>
-  <p:clrMapOvr>
-    <a:masterClrMapping/>
-  </p:clrMapOvr>
+  <p:timing>
+    <p:tnLst>
+      <p:par>
+        <p:cTn id="1" dur="indefinite" restart="never" nodeType="tmRoot"/>
+      </p:par>
+    </p:tnLst>
+  </p:timing>
 </p:sld>
 </file>
 

--- a/Files/Ppt mask.pptx
+++ b/Files/Ppt mask.pptx
@@ -5,10 +5,11 @@
     <p:sldMasterId id="2147483648" r:id="rId1"/>
   </p:sldMasterIdLst>
   <p:notesMasterIdLst>
-    <p:notesMasterId r:id="rId3"/>
+    <p:notesMasterId r:id="rId4"/>
   </p:notesMasterIdLst>
   <p:sldIdLst>
     <p:sldId id="256" r:id="rId2"/>
+    <p:sldId id="257" r:id="rId3"/>
   </p:sldIdLst>
   <p:sldSz cx="12192000" cy="6858000"/>
   <p:notesSz cx="6858000" cy="9144000"/>
@@ -197,7 +198,7 @@
           <a:p>
             <a:fld id="{CBD02DE9-54A9-4CA7-91F3-710D21D0B6EC}" type="datetimeFigureOut">
               <a:rPr lang="en-US" smtClean="0"/>
-              <a:t>1/27/2019</a:t>
+              <a:t>4/9/2019</a:t>
             </a:fld>
             <a:endParaRPr lang="en-US" dirty="0"/>
           </a:p>
@@ -487,7 +488,7 @@
           <p:cNvPr id="8" name="Rectangle 7">
             <a:extLst>
               <a:ext uri="{FF2B5EF4-FFF2-40B4-BE49-F238E27FC236}">
-                <a16:creationId xmlns:a16="http://schemas.microsoft.com/office/drawing/2014/main" xmlns="" id="{53DFC5F3-BDE9-4C47-B29D-1E7EF3B0CB6A}"/>
+                <a16:creationId xmlns="" xmlns:a16="http://schemas.microsoft.com/office/drawing/2014/main" id="{53DFC5F3-BDE9-4C47-B29D-1E7EF3B0CB6A}"/>
               </a:ext>
             </a:extLst>
           </p:cNvPr>
@@ -537,7 +538,7 @@
           <p:cNvPr id="9" name="Rectangle 8">
             <a:extLst>
               <a:ext uri="{FF2B5EF4-FFF2-40B4-BE49-F238E27FC236}">
-                <a16:creationId xmlns:a16="http://schemas.microsoft.com/office/drawing/2014/main" xmlns="" id="{43955A2C-6DC0-42CF-8BED-5DD7424ED665}"/>
+                <a16:creationId xmlns="" xmlns:a16="http://schemas.microsoft.com/office/drawing/2014/main" id="{43955A2C-6DC0-42CF-8BED-5DD7424ED665}"/>
               </a:ext>
             </a:extLst>
           </p:cNvPr>
@@ -583,7 +584,7 @@
           <p:cNvPr id="6" name="Image 5" descr="Une image contenant extérieur&#10;&#10;Description générée avec un niveau de confiance très élevé">
             <a:extLst>
               <a:ext uri="{FF2B5EF4-FFF2-40B4-BE49-F238E27FC236}">
-                <a16:creationId xmlns:a16="http://schemas.microsoft.com/office/drawing/2014/main" xmlns="" id="{5514EDC0-5B5E-49A1-9FBC-EC3FCB56454E}"/>
+                <a16:creationId xmlns="" xmlns:a16="http://schemas.microsoft.com/office/drawing/2014/main" id="{5514EDC0-5B5E-49A1-9FBC-EC3FCB56454E}"/>
               </a:ext>
             </a:extLst>
           </p:cNvPr>
@@ -619,7 +620,7 @@
           <p:cNvPr id="7" name="Image 6">
             <a:extLst>
               <a:ext uri="{FF2B5EF4-FFF2-40B4-BE49-F238E27FC236}">
-                <a16:creationId xmlns:a16="http://schemas.microsoft.com/office/drawing/2014/main" xmlns="" id="{C77A5FE8-6DAC-44C8-85CC-4966121CD022}"/>
+                <a16:creationId xmlns="" xmlns:a16="http://schemas.microsoft.com/office/drawing/2014/main" id="{C77A5FE8-6DAC-44C8-85CC-4966121CD022}"/>
               </a:ext>
             </a:extLst>
           </p:cNvPr>
@@ -655,7 +656,7 @@
           <p:cNvPr id="10" name="Espace réservé de la date 2">
             <a:extLst>
               <a:ext uri="{FF2B5EF4-FFF2-40B4-BE49-F238E27FC236}">
-                <a16:creationId xmlns:a16="http://schemas.microsoft.com/office/drawing/2014/main" xmlns="" id="{377EB69A-5AC6-4363-989F-DF7DE9286C71}"/>
+                <a16:creationId xmlns="" xmlns:a16="http://schemas.microsoft.com/office/drawing/2014/main" id="{377EB69A-5AC6-4363-989F-DF7DE9286C71}"/>
               </a:ext>
             </a:extLst>
           </p:cNvPr>
@@ -784,7 +785,7 @@
           <p:cNvPr id="15" name="Espace réservé du texte 14">
             <a:extLst>
               <a:ext uri="{FF2B5EF4-FFF2-40B4-BE49-F238E27FC236}">
-                <a16:creationId xmlns:a16="http://schemas.microsoft.com/office/drawing/2014/main" xmlns="" id="{BC46C715-7C5F-4214-B030-2565DD90757D}"/>
+                <a16:creationId xmlns="" xmlns:a16="http://schemas.microsoft.com/office/drawing/2014/main" id="{BC46C715-7C5F-4214-B030-2565DD90757D}"/>
               </a:ext>
             </a:extLst>
           </p:cNvPr>
@@ -846,7 +847,7 @@
           <p:cNvPr id="16" name="Titre 15">
             <a:extLst>
               <a:ext uri="{FF2B5EF4-FFF2-40B4-BE49-F238E27FC236}">
-                <a16:creationId xmlns:a16="http://schemas.microsoft.com/office/drawing/2014/main" xmlns="" id="{B3BA48C9-71C6-4674-9380-7A4667859C9A}"/>
+                <a16:creationId xmlns="" xmlns:a16="http://schemas.microsoft.com/office/drawing/2014/main" id="{B3BA48C9-71C6-4674-9380-7A4667859C9A}"/>
               </a:ext>
             </a:extLst>
           </p:cNvPr>
@@ -900,7 +901,7 @@
           <p:cNvPr id="19" name="Rectangle 18">
             <a:extLst>
               <a:ext uri="{FF2B5EF4-FFF2-40B4-BE49-F238E27FC236}">
-                <a16:creationId xmlns:a16="http://schemas.microsoft.com/office/drawing/2014/main" xmlns="" id="{FA6349F9-E032-4858-9A3A-D8C111066340}"/>
+                <a16:creationId xmlns="" xmlns:a16="http://schemas.microsoft.com/office/drawing/2014/main" id="{FA6349F9-E032-4858-9A3A-D8C111066340}"/>
               </a:ext>
             </a:extLst>
           </p:cNvPr>
@@ -944,14 +945,24 @@
           <a:p>
             <a:pPr algn="ctr"/>
             <a:r>
-              <a:rPr lang="fr-FR" sz="2000" dirty="0">
+              <a:rPr lang="fr-FR" sz="2000" dirty="0" smtClean="0">
                 <a:solidFill>
                   <a:schemeClr val="tx1"/>
                 </a:solidFill>
                 <a:latin typeface="Arial Nova Light" panose="020B0304020202020204" pitchFamily="34" charset="0"/>
                 <a:cs typeface="Arial Nova Light" panose="020B0304020202020204" pitchFamily="34" charset="0"/>
               </a:rPr>
-              <a:t>Projet TOLOSAT</a:t>
+              <a:t>TOLOSAT </a:t>
+            </a:r>
+            <a:r>
+              <a:rPr lang="fr-FR" sz="2000" dirty="0" err="1" smtClean="0">
+                <a:solidFill>
+                  <a:schemeClr val="tx1"/>
+                </a:solidFill>
+                <a:latin typeface="Arial Nova Light" panose="020B0304020202020204" pitchFamily="34" charset="0"/>
+                <a:cs typeface="Arial Nova Light" panose="020B0304020202020204" pitchFamily="34" charset="0"/>
+              </a:rPr>
+              <a:t>project</a:t>
             </a:r>
             <a:endParaRPr lang="en-US" sz="2000" dirty="0">
               <a:solidFill>
@@ -1117,7 +1128,7 @@
           <p:cNvPr id="7" name="Rectangle 6">
             <a:extLst>
               <a:ext uri="{FF2B5EF4-FFF2-40B4-BE49-F238E27FC236}">
-                <a16:creationId xmlns:a16="http://schemas.microsoft.com/office/drawing/2014/main" xmlns="" id="{BFB037AB-4A66-4EAE-9FB1-662CC52AC4BA}"/>
+                <a16:creationId xmlns="" xmlns:a16="http://schemas.microsoft.com/office/drawing/2014/main" id="{BFB037AB-4A66-4EAE-9FB1-662CC52AC4BA}"/>
               </a:ext>
             </a:extLst>
           </p:cNvPr>
@@ -1167,7 +1178,7 @@
           <p:cNvPr id="8" name="Groupe 7">
             <a:extLst>
               <a:ext uri="{FF2B5EF4-FFF2-40B4-BE49-F238E27FC236}">
-                <a16:creationId xmlns:a16="http://schemas.microsoft.com/office/drawing/2014/main" xmlns="" id="{6C51E171-9D69-4EF7-A7CD-795196410CBC}"/>
+                <a16:creationId xmlns="" xmlns:a16="http://schemas.microsoft.com/office/drawing/2014/main" id="{6C51E171-9D69-4EF7-A7CD-795196410CBC}"/>
               </a:ext>
             </a:extLst>
           </p:cNvPr>
@@ -1187,7 +1198,7 @@
             <p:cNvPr id="9" name="Parallélogramme 8">
               <a:extLst>
                 <a:ext uri="{FF2B5EF4-FFF2-40B4-BE49-F238E27FC236}">
-                  <a16:creationId xmlns:a16="http://schemas.microsoft.com/office/drawing/2014/main" xmlns="" id="{31941D54-8960-4DF0-8480-5AD1E0A4A8B3}"/>
+                  <a16:creationId xmlns="" xmlns:a16="http://schemas.microsoft.com/office/drawing/2014/main" id="{31941D54-8960-4DF0-8480-5AD1E0A4A8B3}"/>
                 </a:ext>
               </a:extLst>
             </p:cNvPr>
@@ -1241,7 +1252,7 @@
             <p:cNvPr id="12" name="Parallélogramme 11">
               <a:extLst>
                 <a:ext uri="{FF2B5EF4-FFF2-40B4-BE49-F238E27FC236}">
-                  <a16:creationId xmlns:a16="http://schemas.microsoft.com/office/drawing/2014/main" xmlns="" id="{7E7E7C8A-8E48-48D0-AE1B-6538791686C6}"/>
+                  <a16:creationId xmlns="" xmlns:a16="http://schemas.microsoft.com/office/drawing/2014/main" id="{7E7E7C8A-8E48-48D0-AE1B-6538791686C6}"/>
                 </a:ext>
               </a:extLst>
             </p:cNvPr>
@@ -1310,7 +1321,7 @@
           <p:cNvPr id="2" name="Titre 1">
             <a:extLst>
               <a:ext uri="{FF2B5EF4-FFF2-40B4-BE49-F238E27FC236}">
-                <a16:creationId xmlns:a16="http://schemas.microsoft.com/office/drawing/2014/main" xmlns="" id="{7E4F59EC-0E6A-4643-93CA-F87449FACD6A}"/>
+                <a16:creationId xmlns="" xmlns:a16="http://schemas.microsoft.com/office/drawing/2014/main" id="{7E4F59EC-0E6A-4643-93CA-F87449FACD6A}"/>
               </a:ext>
             </a:extLst>
           </p:cNvPr>
@@ -1354,7 +1365,7 @@
           <p:cNvPr id="3" name="Sous-titre 2">
             <a:extLst>
               <a:ext uri="{FF2B5EF4-FFF2-40B4-BE49-F238E27FC236}">
-                <a16:creationId xmlns:a16="http://schemas.microsoft.com/office/drawing/2014/main" xmlns="" id="{A5838F80-0A19-44AD-BA2C-E69868960852}"/>
+                <a16:creationId xmlns="" xmlns:a16="http://schemas.microsoft.com/office/drawing/2014/main" id="{A5838F80-0A19-44AD-BA2C-E69868960852}"/>
               </a:ext>
             </a:extLst>
           </p:cNvPr>
@@ -1431,7 +1442,7 @@
           <p:cNvPr id="4" name="Espace réservé de la date 3">
             <a:extLst>
               <a:ext uri="{FF2B5EF4-FFF2-40B4-BE49-F238E27FC236}">
-                <a16:creationId xmlns:a16="http://schemas.microsoft.com/office/drawing/2014/main" xmlns="" id="{DDFEBEF4-66BD-447C-ADB2-5043A8CA7926}"/>
+                <a16:creationId xmlns="" xmlns:a16="http://schemas.microsoft.com/office/drawing/2014/main" id="{DDFEBEF4-66BD-447C-ADB2-5043A8CA7926}"/>
               </a:ext>
             </a:extLst>
           </p:cNvPr>
@@ -1465,7 +1476,7 @@
           <a:p>
             <a:fld id="{315BE287-C7AC-4642-9718-50EAE9542224}" type="datetime1">
               <a:rPr lang="en-US" smtClean="0"/>
-              <a:t>1/27/2019</a:t>
+              <a:t>4/9/2019</a:t>
             </a:fld>
             <a:endParaRPr lang="en-US" dirty="0"/>
           </a:p>
@@ -1476,7 +1487,7 @@
           <p:cNvPr id="6" name="Espace réservé du numéro de diapositive 5">
             <a:extLst>
               <a:ext uri="{FF2B5EF4-FFF2-40B4-BE49-F238E27FC236}">
-                <a16:creationId xmlns:a16="http://schemas.microsoft.com/office/drawing/2014/main" xmlns="" id="{C2DAA401-826A-4C5F-AD43-1F0AB89B4BA5}"/>
+                <a16:creationId xmlns="" xmlns:a16="http://schemas.microsoft.com/office/drawing/2014/main" id="{C2DAA401-826A-4C5F-AD43-1F0AB89B4BA5}"/>
               </a:ext>
             </a:extLst>
           </p:cNvPr>
@@ -1634,7 +1645,7 @@
             <a:pPr lvl="0"/>
             <a:r>
               <a:rPr lang="fr-FR" dirty="0" smtClean="0"/>
-              <a:t>RSS meeting</a:t>
+              <a:t>Project meeting</a:t>
             </a:r>
             <a:endParaRPr lang="fr-FR" dirty="0"/>
           </a:p>
@@ -2051,7 +2062,19 @@
           <a:bodyPr/>
           <a:lstStyle/>
           <a:p>
-            <a:endParaRPr lang="fr-FR"/>
+            <a:r>
+              <a:rPr lang="fr-FR" dirty="0" err="1" smtClean="0"/>
+              <a:t>Iteration</a:t>
+            </a:r>
+            <a:r>
+              <a:rPr lang="fr-FR" dirty="0" smtClean="0"/>
+              <a:t> 4 </a:t>
+            </a:r>
+            <a:r>
+              <a:rPr lang="fr-FR" dirty="0" err="1" smtClean="0"/>
+              <a:t>review</a:t>
+            </a:r>
+            <a:endParaRPr lang="fr-FR" dirty="0"/>
           </a:p>
         </p:txBody>
       </p:sp>
@@ -2070,7 +2093,64 @@
           <a:bodyPr/>
           <a:lstStyle/>
           <a:p>
-            <a:endParaRPr lang="fr-FR"/>
+            <a:r>
+              <a:rPr lang="fr-FR" dirty="0" smtClean="0"/>
+              <a:t>11th of April, 2019</a:t>
+            </a:r>
+            <a:endParaRPr lang="fr-FR" dirty="0"/>
+          </a:p>
+        </p:txBody>
+      </p:sp>
+      <p:sp>
+        <p:nvSpPr>
+          <p:cNvPr id="4" name="Titre 1"/>
+          <p:cNvSpPr txBox="1">
+            <a:spLocks/>
+          </p:cNvSpPr>
+          <p:nvPr/>
+        </p:nvSpPr>
+        <p:spPr>
+          <a:xfrm>
+            <a:off x="838198" y="2689593"/>
+            <a:ext cx="10515600" cy="850986"/>
+          </a:xfrm>
+          <a:prstGeom prst="rect">
+            <a:avLst/>
+          </a:prstGeom>
+        </p:spPr>
+        <p:txBody>
+          <a:bodyPr>
+            <a:normAutofit/>
+          </a:bodyPr>
+          <a:lstStyle>
+            <a:lvl1pPr algn="ctr" defTabSz="914400" rtl="0" eaLnBrk="1" latinLnBrk="0" hangingPunct="1">
+              <a:lnSpc>
+                <a:spcPct val="90000"/>
+              </a:lnSpc>
+              <a:spcBef>
+                <a:spcPct val="0"/>
+              </a:spcBef>
+              <a:buNone/>
+              <a:defRPr sz="4400" kern="1200" baseline="0">
+                <a:solidFill>
+                  <a:schemeClr val="tx1"/>
+                </a:solidFill>
+                <a:latin typeface="Arial Nova Light" panose="020B0304020202020204" pitchFamily="34" charset="0"/>
+                <a:ea typeface="+mj-ea"/>
+                <a:cs typeface="Arial Nova Light" panose="020B0304020202020204" pitchFamily="34" charset="0"/>
+              </a:defRPr>
+            </a:lvl1pPr>
+          </a:lstStyle>
+          <a:p>
+            <a:r>
+              <a:rPr lang="fr-FR" dirty="0" err="1" smtClean="0"/>
+              <a:t>Systems</a:t>
+            </a:r>
+            <a:r>
+              <a:rPr lang="fr-FR" dirty="0" smtClean="0"/>
+              <a:t> engineering</a:t>
+            </a:r>
+            <a:endParaRPr lang="fr-FR" dirty="0"/>
           </a:p>
         </p:txBody>
       </p:sp>
@@ -2091,6 +2171,125 @@
       </p:par>
     </p:tnLst>
   </p:timing>
+</p:sld>
+</file>
+
+<file path=ppt/slides/slide2.xml><?xml version="1.0" encoding="utf-8"?>
+<p:sld xmlns:a="http://schemas.openxmlformats.org/drawingml/2006/main" xmlns:r="http://schemas.openxmlformats.org/officeDocument/2006/relationships" xmlns:p="http://schemas.openxmlformats.org/presentationml/2006/main">
+  <p:cSld>
+    <p:spTree>
+      <p:nvGrpSpPr>
+        <p:cNvPr id="1" name=""/>
+        <p:cNvGrpSpPr/>
+        <p:nvPr/>
+      </p:nvGrpSpPr>
+      <p:grpSpPr>
+        <a:xfrm>
+          <a:off x="0" y="0"/>
+          <a:ext cx="0" cy="0"/>
+          <a:chOff x="0" y="0"/>
+          <a:chExt cx="0" cy="0"/>
+        </a:xfrm>
+      </p:grpSpPr>
+      <p:sp>
+        <p:nvSpPr>
+          <p:cNvPr id="2" name="Titre 1"/>
+          <p:cNvSpPr>
+            <a:spLocks noGrp="1"/>
+          </p:cNvSpPr>
+          <p:nvPr>
+            <p:ph type="ctrTitle"/>
+          </p:nvPr>
+        </p:nvSpPr>
+        <p:spPr/>
+        <p:txBody>
+          <a:bodyPr/>
+          <a:lstStyle/>
+          <a:p>
+            <a:r>
+              <a:rPr lang="fr-FR" dirty="0" err="1" smtClean="0"/>
+              <a:t>Iteration</a:t>
+            </a:r>
+            <a:r>
+              <a:rPr lang="fr-FR" dirty="0" smtClean="0"/>
+              <a:t> 4 configuration</a:t>
+            </a:r>
+            <a:endParaRPr lang="fr-FR" dirty="0"/>
+          </a:p>
+        </p:txBody>
+      </p:sp>
+      <p:sp>
+        <p:nvSpPr>
+          <p:cNvPr id="3" name="Sous-titre 2"/>
+          <p:cNvSpPr>
+            <a:spLocks noGrp="1"/>
+          </p:cNvSpPr>
+          <p:nvPr>
+            <p:ph type="subTitle" idx="1"/>
+          </p:nvPr>
+        </p:nvSpPr>
+        <p:spPr/>
+        <p:txBody>
+          <a:bodyPr/>
+          <a:lstStyle/>
+          <a:p>
+            <a:endParaRPr lang="fr-FR" dirty="0"/>
+          </a:p>
+        </p:txBody>
+      </p:sp>
+      <p:sp>
+        <p:nvSpPr>
+          <p:cNvPr id="4" name="Espace réservé du numéro de diapositive 3"/>
+          <p:cNvSpPr>
+            <a:spLocks noGrp="1"/>
+          </p:cNvSpPr>
+          <p:nvPr>
+            <p:ph type="sldNum" sz="quarter" idx="12"/>
+          </p:nvPr>
+        </p:nvSpPr>
+        <p:spPr/>
+        <p:txBody>
+          <a:bodyPr/>
+          <a:lstStyle/>
+          <a:p>
+            <a:fld id="{9E937E72-11F5-44A2-9DC0-74EEC05A6D21}" type="slidenum">
+              <a:rPr lang="en-US" smtClean="0"/>
+              <a:pPr/>
+              <a:t>2</a:t>
+            </a:fld>
+            <a:endParaRPr lang="en-US" dirty="0"/>
+          </a:p>
+        </p:txBody>
+      </p:sp>
+      <p:sp>
+        <p:nvSpPr>
+          <p:cNvPr id="5" name="Espace réservé du texte 4"/>
+          <p:cNvSpPr>
+            <a:spLocks noGrp="1"/>
+          </p:cNvSpPr>
+          <p:nvPr>
+            <p:ph type="body" sz="quarter" idx="13"/>
+          </p:nvPr>
+        </p:nvSpPr>
+        <p:spPr/>
+        <p:txBody>
+          <a:bodyPr/>
+          <a:lstStyle/>
+          <a:p>
+            <a:endParaRPr lang="fr-FR"/>
+          </a:p>
+        </p:txBody>
+      </p:sp>
+    </p:spTree>
+    <p:extLst>
+      <p:ext uri="{BB962C8B-B14F-4D97-AF65-F5344CB8AC3E}">
+        <p14:creationId xmlns:p14="http://schemas.microsoft.com/office/powerpoint/2010/main" val="2630062933"/>
+      </p:ext>
+    </p:extLst>
+  </p:cSld>
+  <p:clrMapOvr>
+    <a:masterClrMapping/>
+  </p:clrMapOvr>
 </p:sld>
 </file>
 

--- a/Files/Ppt mask.pptx
+++ b/Files/Ppt mask.pptx
@@ -7,9 +7,12 @@
   <p:notesMasterIdLst>
     <p:notesMasterId r:id="rId5"/>
   </p:notesMasterIdLst>
+  <p:handoutMasterIdLst>
+    <p:handoutMasterId r:id="rId6"/>
+  </p:handoutMasterIdLst>
   <p:sldIdLst>
     <p:sldId id="256" r:id="rId2"/>
-    <p:sldId id="257" r:id="rId3"/>
+    <p:sldId id="259" r:id="rId3"/>
     <p:sldId id="258" r:id="rId4"/>
   </p:sldIdLst>
   <p:sldSz cx="12192000" cy="6858000"/>
@@ -113,8 +116,200 @@
     <p:ext uri="{EFAFB233-063F-42B5-8137-9DF3F51BA10A}">
       <p15:sldGuideLst xmlns:p15="http://schemas.microsoft.com/office/powerpoint/2012/main"/>
     </p:ext>
+    <p:ext uri="{2D200454-40CA-4A62-9FC3-DE9A4176ACB9}">
+      <p15:notesGuideLst xmlns:p15="http://schemas.microsoft.com/office/powerpoint/2012/main"/>
+    </p:ext>
   </p:extLst>
 </p:presentation>
+</file>
+
+<file path=ppt/handoutMasters/handoutMaster1.xml><?xml version="1.0" encoding="utf-8"?>
+<p:handoutMaster xmlns:a="http://schemas.openxmlformats.org/drawingml/2006/main" xmlns:r="http://schemas.openxmlformats.org/officeDocument/2006/relationships" xmlns:p="http://schemas.openxmlformats.org/presentationml/2006/main">
+  <p:cSld>
+    <p:bg>
+      <p:bgRef idx="1001">
+        <a:schemeClr val="bg1"/>
+      </p:bgRef>
+    </p:bg>
+    <p:spTree>
+      <p:nvGrpSpPr>
+        <p:cNvPr id="1" name=""/>
+        <p:cNvGrpSpPr/>
+        <p:nvPr/>
+      </p:nvGrpSpPr>
+      <p:grpSpPr>
+        <a:xfrm>
+          <a:off x="0" y="0"/>
+          <a:ext cx="0" cy="0"/>
+          <a:chOff x="0" y="0"/>
+          <a:chExt cx="0" cy="0"/>
+        </a:xfrm>
+      </p:grpSpPr>
+      <p:sp>
+        <p:nvSpPr>
+          <p:cNvPr id="2" name="Header Placeholder 1">
+            <a:extLst>
+              <a:ext uri="{FF2B5EF4-FFF2-40B4-BE49-F238E27FC236}">
+                <a16:creationId xmlns:a16="http://schemas.microsoft.com/office/drawing/2014/main" id="{17C2287B-A08E-4A9E-A204-5A986B061C7F}"/>
+              </a:ext>
+            </a:extLst>
+          </p:cNvPr>
+          <p:cNvSpPr>
+            <a:spLocks noGrp="1"/>
+          </p:cNvSpPr>
+          <p:nvPr>
+            <p:ph type="hdr" sz="quarter"/>
+          </p:nvPr>
+        </p:nvSpPr>
+        <p:spPr>
+          <a:xfrm>
+            <a:off x="0" y="0"/>
+            <a:ext cx="2971800" cy="458788"/>
+          </a:xfrm>
+          <a:prstGeom prst="rect">
+            <a:avLst/>
+          </a:prstGeom>
+        </p:spPr>
+        <p:txBody>
+          <a:bodyPr vert="horz" lIns="91440" tIns="45720" rIns="91440" bIns="45720" rtlCol="0"/>
+          <a:lstStyle>
+            <a:lvl1pPr algn="l">
+              <a:defRPr sz="1200"/>
+            </a:lvl1pPr>
+          </a:lstStyle>
+          <a:p>
+            <a:endParaRPr lang="fr-FR"/>
+          </a:p>
+        </p:txBody>
+      </p:sp>
+      <p:sp>
+        <p:nvSpPr>
+          <p:cNvPr id="3" name="Date Placeholder 2">
+            <a:extLst>
+              <a:ext uri="{FF2B5EF4-FFF2-40B4-BE49-F238E27FC236}">
+                <a16:creationId xmlns:a16="http://schemas.microsoft.com/office/drawing/2014/main" id="{7591CB61-DF8A-41AA-B68B-4266D3AC31BD}"/>
+              </a:ext>
+            </a:extLst>
+          </p:cNvPr>
+          <p:cNvSpPr>
+            <a:spLocks noGrp="1"/>
+          </p:cNvSpPr>
+          <p:nvPr>
+            <p:ph type="dt" sz="quarter" idx="1"/>
+          </p:nvPr>
+        </p:nvSpPr>
+        <p:spPr>
+          <a:xfrm>
+            <a:off x="3884613" y="0"/>
+            <a:ext cx="2971800" cy="458788"/>
+          </a:xfrm>
+          <a:prstGeom prst="rect">
+            <a:avLst/>
+          </a:prstGeom>
+        </p:spPr>
+        <p:txBody>
+          <a:bodyPr vert="horz" lIns="91440" tIns="45720" rIns="91440" bIns="45720" rtlCol="0"/>
+          <a:lstStyle>
+            <a:lvl1pPr algn="r">
+              <a:defRPr sz="1200"/>
+            </a:lvl1pPr>
+          </a:lstStyle>
+          <a:p>
+            <a:fld id="{4EED1B3A-46F9-49FD-AD10-AFD7DDBFFFE7}" type="datetimeFigureOut">
+              <a:rPr lang="fr-FR" smtClean="0"/>
+              <a:t>26/05/2019</a:t>
+            </a:fld>
+            <a:endParaRPr lang="fr-FR"/>
+          </a:p>
+        </p:txBody>
+      </p:sp>
+      <p:sp>
+        <p:nvSpPr>
+          <p:cNvPr id="4" name="Footer Placeholder 3">
+            <a:extLst>
+              <a:ext uri="{FF2B5EF4-FFF2-40B4-BE49-F238E27FC236}">
+                <a16:creationId xmlns:a16="http://schemas.microsoft.com/office/drawing/2014/main" id="{9CB68929-7DA1-4A27-B680-85E56C6851EC}"/>
+              </a:ext>
+            </a:extLst>
+          </p:cNvPr>
+          <p:cNvSpPr>
+            <a:spLocks noGrp="1"/>
+          </p:cNvSpPr>
+          <p:nvPr>
+            <p:ph type="ftr" sz="quarter" idx="2"/>
+          </p:nvPr>
+        </p:nvSpPr>
+        <p:spPr>
+          <a:xfrm>
+            <a:off x="0" y="8685213"/>
+            <a:ext cx="2971800" cy="458787"/>
+          </a:xfrm>
+          <a:prstGeom prst="rect">
+            <a:avLst/>
+          </a:prstGeom>
+        </p:spPr>
+        <p:txBody>
+          <a:bodyPr vert="horz" lIns="91440" tIns="45720" rIns="91440" bIns="45720" rtlCol="0" anchor="b"/>
+          <a:lstStyle>
+            <a:lvl1pPr algn="l">
+              <a:defRPr sz="1200"/>
+            </a:lvl1pPr>
+          </a:lstStyle>
+          <a:p>
+            <a:endParaRPr lang="fr-FR"/>
+          </a:p>
+        </p:txBody>
+      </p:sp>
+      <p:sp>
+        <p:nvSpPr>
+          <p:cNvPr id="5" name="Slide Number Placeholder 4">
+            <a:extLst>
+              <a:ext uri="{FF2B5EF4-FFF2-40B4-BE49-F238E27FC236}">
+                <a16:creationId xmlns:a16="http://schemas.microsoft.com/office/drawing/2014/main" id="{355158B7-8927-4AB2-8E7B-A5A3B7234865}"/>
+              </a:ext>
+            </a:extLst>
+          </p:cNvPr>
+          <p:cNvSpPr>
+            <a:spLocks noGrp="1"/>
+          </p:cNvSpPr>
+          <p:nvPr>
+            <p:ph type="sldNum" sz="quarter" idx="3"/>
+          </p:nvPr>
+        </p:nvSpPr>
+        <p:spPr>
+          <a:xfrm>
+            <a:off x="3884613" y="8685213"/>
+            <a:ext cx="2971800" cy="458787"/>
+          </a:xfrm>
+          <a:prstGeom prst="rect">
+            <a:avLst/>
+          </a:prstGeom>
+        </p:spPr>
+        <p:txBody>
+          <a:bodyPr vert="horz" lIns="91440" tIns="45720" rIns="91440" bIns="45720" rtlCol="0" anchor="b"/>
+          <a:lstStyle>
+            <a:lvl1pPr algn="r">
+              <a:defRPr sz="1200"/>
+            </a:lvl1pPr>
+          </a:lstStyle>
+          <a:p>
+            <a:fld id="{0411A0C4-EEA3-4DD3-9096-2BCD621A3B05}" type="slidenum">
+              <a:rPr lang="fr-FR" smtClean="0"/>
+              <a:t>‹#›</a:t>
+            </a:fld>
+            <a:endParaRPr lang="fr-FR"/>
+          </a:p>
+        </p:txBody>
+      </p:sp>
+    </p:spTree>
+    <p:extLst>
+      <p:ext uri="{BB962C8B-B14F-4D97-AF65-F5344CB8AC3E}">
+        <p14:creationId xmlns:p14="http://schemas.microsoft.com/office/powerpoint/2010/main" val="3686750801"/>
+      </p:ext>
+    </p:extLst>
+  </p:cSld>
+  <p:clrMap bg1="lt1" tx1="dk1" bg2="lt2" tx2="dk2" accent1="accent1" accent2="accent2" accent3="accent3" accent4="accent4" accent5="accent5" accent6="accent6" hlink="hlink" folHlink="folHlink"/>
+</p:handoutMaster>
 </file>
 
 <file path=ppt/notesMasters/notesMaster1.xml><?xml version="1.0" encoding="utf-8"?>
@@ -199,7 +394,7 @@
           <a:p>
             <a:fld id="{CBD02DE9-54A9-4CA7-91F3-710D21D0B6EC}" type="datetimeFigureOut">
               <a:rPr lang="en-US" smtClean="0"/>
-              <a:t>5/25/2019</a:t>
+              <a:t>5/26/2019</a:t>
             </a:fld>
             <a:endParaRPr lang="en-US" dirty="0"/>
           </a:p>
@@ -1558,8 +1753,8 @@
         </p:nvSpPr>
         <p:spPr>
           <a:xfrm>
-            <a:off x="3892377" y="3785777"/>
-            <a:ext cx="4407243" cy="725668"/>
+            <a:off x="2549769" y="3785777"/>
+            <a:ext cx="5749851" cy="725668"/>
           </a:xfrm>
           <a:prstGeom prst="rect">
             <a:avLst/>
@@ -1620,8 +1815,8 @@
         </p:nvSpPr>
         <p:spPr>
           <a:xfrm>
-            <a:off x="4141788" y="3924978"/>
-            <a:ext cx="3892550" cy="531813"/>
+            <a:off x="2751992" y="3924978"/>
+            <a:ext cx="5282346" cy="531813"/>
           </a:xfrm>
           <a:prstGeom prst="rect">
             <a:avLst/>
@@ -1803,6 +1998,54 @@
               </a:rPr>
               <a:t> by</a:t>
             </a:r>
+          </a:p>
+        </p:txBody>
+      </p:sp>
+      <p:sp>
+        <p:nvSpPr>
+          <p:cNvPr id="19" name="Espace réservé du numéro de diapositive 5">
+            <a:extLst>
+              <a:ext uri="{FF2B5EF4-FFF2-40B4-BE49-F238E27FC236}">
+                <a16:creationId xmlns:a16="http://schemas.microsoft.com/office/drawing/2014/main" id="{5E511775-574D-4BF9-B492-279C2DC49050}"/>
+              </a:ext>
+            </a:extLst>
+          </p:cNvPr>
+          <p:cNvSpPr>
+            <a:spLocks noGrp="1"/>
+          </p:cNvSpPr>
+          <p:nvPr>
+            <p:ph type="sldNum" sz="quarter" idx="12"/>
+          </p:nvPr>
+        </p:nvSpPr>
+        <p:spPr>
+          <a:xfrm>
+            <a:off x="10906922" y="6401420"/>
+            <a:ext cx="1222732" cy="365125"/>
+          </a:xfrm>
+          <a:prstGeom prst="rect">
+            <a:avLst/>
+          </a:prstGeom>
+        </p:spPr>
+        <p:txBody>
+          <a:bodyPr/>
+          <a:lstStyle>
+            <a:lvl1pPr algn="r">
+              <a:defRPr>
+                <a:solidFill>
+                  <a:schemeClr val="bg1"/>
+                </a:solidFill>
+                <a:latin typeface="Arial Nova Light" panose="020B0304020202020204" pitchFamily="34" charset="0"/>
+                <a:cs typeface="Arial Nova Light" panose="020B0304020202020204" pitchFamily="34" charset="0"/>
+              </a:defRPr>
+            </a:lvl1pPr>
+          </a:lstStyle>
+          <a:p>
+            <a:fld id="{9E937E72-11F5-44A2-9DC0-74EEC05A6D21}" type="slidenum">
+              <a:rPr lang="en-US" smtClean="0"/>
+              <a:pPr/>
+              <a:t>‹#›</a:t>
+            </a:fld>
+            <a:endParaRPr lang="en-US" dirty="0"/>
           </a:p>
         </p:txBody>
       </p:sp>
@@ -2075,59 +2318,6 @@
       </p:sp>
       <p:sp>
         <p:nvSpPr>
-          <p:cNvPr id="4" name="Espace réservé de la date 3">
-            <a:extLst>
-              <a:ext uri="{FF2B5EF4-FFF2-40B4-BE49-F238E27FC236}">
-                <a16:creationId xmlns:a16="http://schemas.microsoft.com/office/drawing/2014/main" id="{DDFEBEF4-66BD-447C-ADB2-5043A8CA7926}"/>
-              </a:ext>
-            </a:extLst>
-          </p:cNvPr>
-          <p:cNvSpPr>
-            <a:spLocks noGrp="1"/>
-          </p:cNvSpPr>
-          <p:nvPr>
-            <p:ph type="dt" sz="half" idx="10"/>
-          </p:nvPr>
-        </p:nvSpPr>
-        <p:spPr>
-          <a:xfrm>
-            <a:off x="838200" y="6356350"/>
-            <a:ext cx="2743200" cy="365125"/>
-          </a:xfrm>
-          <a:prstGeom prst="rect">
-            <a:avLst/>
-          </a:prstGeom>
-        </p:spPr>
-        <p:txBody>
-          <a:bodyPr/>
-          <a:lstStyle>
-            <a:lvl1pPr>
-              <a:defRPr>
-                <a:solidFill>
-                  <a:schemeClr val="bg1"/>
-                </a:solidFill>
-              </a:defRPr>
-            </a:lvl1pPr>
-          </a:lstStyle>
-          <a:p>
-            <a:r>
-              <a:rPr lang="en-US" dirty="0"/>
-              <a:t>May 28</a:t>
-            </a:r>
-            <a:r>
-              <a:rPr lang="en-US" baseline="30000" dirty="0"/>
-              <a:t>th</a:t>
-            </a:r>
-            <a:r>
-              <a:rPr lang="en-US" dirty="0"/>
-              <a:t> 2019</a:t>
-            </a:r>
-            <a:endParaRPr lang="en-US" baseline="30000" dirty="0"/>
-          </a:p>
-        </p:txBody>
-      </p:sp>
-      <p:sp>
-        <p:nvSpPr>
           <p:cNvPr id="3" name="Sous-titre 2">
             <a:extLst>
               <a:ext uri="{FF2B5EF4-FFF2-40B4-BE49-F238E27FC236}">
@@ -2329,53 +2519,6 @@
           </a:extLst>
         </p:spPr>
       </p:pic>
-      <p:sp>
-        <p:nvSpPr>
-          <p:cNvPr id="16" name="Espace réservé du texte 15"/>
-          <p:cNvSpPr>
-            <a:spLocks noGrp="1"/>
-          </p:cNvSpPr>
-          <p:nvPr>
-            <p:ph type="body" sz="quarter" idx="13" hasCustomPrompt="1"/>
-          </p:nvPr>
-        </p:nvSpPr>
-        <p:spPr>
-          <a:xfrm>
-            <a:off x="4867819" y="6327475"/>
-            <a:ext cx="3767261" cy="469764"/>
-          </a:xfrm>
-          <a:prstGeom prst="rect">
-            <a:avLst/>
-          </a:prstGeom>
-        </p:spPr>
-        <p:txBody>
-          <a:bodyPr anchor="ctr" anchorCtr="0"/>
-          <a:lstStyle>
-            <a:lvl1pPr marL="0" indent="0">
-              <a:buNone/>
-              <a:defRPr sz="1800" baseline="0">
-                <a:solidFill>
-                  <a:schemeClr val="bg1"/>
-                </a:solidFill>
-                <a:latin typeface="Arial Nova Light" panose="020B0304020202020204" pitchFamily="34" charset="0"/>
-                <a:cs typeface="Arial Nova Light" panose="020B0304020202020204" pitchFamily="34" charset="0"/>
-              </a:defRPr>
-            </a:lvl1pPr>
-          </a:lstStyle>
-          <a:p>
-            <a:pPr lvl="0"/>
-            <a:r>
-              <a:rPr lang="fr-FR" dirty="0"/>
-              <a:t>Phase A </a:t>
-            </a:r>
-            <a:r>
-              <a:rPr lang="fr-FR" dirty="0" err="1"/>
-              <a:t>review</a:t>
-            </a:r>
-            <a:endParaRPr lang="fr-FR" dirty="0"/>
-          </a:p>
-        </p:txBody>
-      </p:sp>
       <p:pic>
         <p:nvPicPr>
           <p:cNvPr id="17" name="Picture 2" descr="https://lh5.googleusercontent.com/LR7EV68FnLlpvf9k-RIQJ-eD5C3k31B9ByLnd4xQ6hM_oi1lk7-VIbubPEAHXzShkhCi-lXDR2bNMQC7zSu1lFnheVULs7nlMlKXqZZUrHLQlG3xizIWzOfhhgVwDNqFWk4qITlN1V4"/>
@@ -2417,6 +2560,98 @@
           </a:extLst>
         </p:spPr>
       </p:pic>
+      <p:sp>
+        <p:nvSpPr>
+          <p:cNvPr id="5" name="TextBox 4">
+            <a:extLst>
+              <a:ext uri="{FF2B5EF4-FFF2-40B4-BE49-F238E27FC236}">
+                <a16:creationId xmlns:a16="http://schemas.microsoft.com/office/drawing/2014/main" id="{90134C08-6863-43DA-81DA-CE025CBC0EF5}"/>
+              </a:ext>
+            </a:extLst>
+          </p:cNvPr>
+          <p:cNvSpPr txBox="1"/>
+          <p:nvPr userDrawn="1"/>
+        </p:nvSpPr>
+        <p:spPr>
+          <a:xfrm>
+            <a:off x="5764669" y="6401420"/>
+            <a:ext cx="2593731" cy="369332"/>
+          </a:xfrm>
+          <a:prstGeom prst="rect">
+            <a:avLst/>
+          </a:prstGeom>
+          <a:noFill/>
+        </p:spPr>
+        <p:txBody>
+          <a:bodyPr wrap="square" rtlCol="0">
+            <a:spAutoFit/>
+          </a:bodyPr>
+          <a:lstStyle/>
+          <a:p>
+            <a:pPr algn="l"/>
+            <a:r>
+              <a:rPr lang="fr-FR" dirty="0">
+                <a:solidFill>
+                  <a:schemeClr val="bg1"/>
+                </a:solidFill>
+              </a:rPr>
+              <a:t>Phase A </a:t>
+            </a:r>
+            <a:r>
+              <a:rPr lang="fr-FR" dirty="0" err="1">
+                <a:solidFill>
+                  <a:schemeClr val="bg1"/>
+                </a:solidFill>
+              </a:rPr>
+              <a:t>Review</a:t>
+            </a:r>
+            <a:endParaRPr lang="fr-FR" dirty="0">
+              <a:solidFill>
+                <a:schemeClr val="bg1"/>
+              </a:solidFill>
+            </a:endParaRPr>
+          </a:p>
+        </p:txBody>
+      </p:sp>
+      <p:sp>
+        <p:nvSpPr>
+          <p:cNvPr id="10" name="TextBox 9">
+            <a:extLst>
+              <a:ext uri="{FF2B5EF4-FFF2-40B4-BE49-F238E27FC236}">
+                <a16:creationId xmlns:a16="http://schemas.microsoft.com/office/drawing/2014/main" id="{0E610F14-F1A4-424B-A74D-99054EE9C283}"/>
+              </a:ext>
+            </a:extLst>
+          </p:cNvPr>
+          <p:cNvSpPr txBox="1"/>
+          <p:nvPr userDrawn="1"/>
+        </p:nvSpPr>
+        <p:spPr>
+          <a:xfrm>
+            <a:off x="989917" y="6438290"/>
+            <a:ext cx="2778369" cy="369332"/>
+          </a:xfrm>
+          <a:prstGeom prst="rect">
+            <a:avLst/>
+          </a:prstGeom>
+          <a:noFill/>
+        </p:spPr>
+        <p:txBody>
+          <a:bodyPr wrap="square" rtlCol="0">
+            <a:spAutoFit/>
+          </a:bodyPr>
+          <a:lstStyle/>
+          <a:p>
+            <a:r>
+              <a:rPr lang="fr-FR" dirty="0">
+                <a:solidFill>
+                  <a:schemeClr val="bg1"/>
+                </a:solidFill>
+              </a:rPr>
+              <a:t>May 28, 2019</a:t>
+            </a:r>
+          </a:p>
+        </p:txBody>
+      </p:sp>
     </p:spTree>
     <p:extLst>
       <p:ext uri="{BB962C8B-B14F-4D97-AF65-F5344CB8AC3E}">
@@ -2836,10 +3071,10 @@
       </p:grpSpPr>
       <p:sp>
         <p:nvSpPr>
-          <p:cNvPr id="2" name="Title 1">
+          <p:cNvPr id="5" name="Title 4">
             <a:extLst>
               <a:ext uri="{FF2B5EF4-FFF2-40B4-BE49-F238E27FC236}">
-                <a16:creationId xmlns:a16="http://schemas.microsoft.com/office/drawing/2014/main" id="{6181F8DD-2567-4900-9A18-B6EB9AAF7378}"/>
+                <a16:creationId xmlns:a16="http://schemas.microsoft.com/office/drawing/2014/main" id="{1E954D10-39BD-4A36-B23C-E01C2033C0E9}"/>
               </a:ext>
             </a:extLst>
           </p:cNvPr>
@@ -2861,10 +3096,10 @@
       </p:sp>
       <p:sp>
         <p:nvSpPr>
-          <p:cNvPr id="3" name="Subtitle 2">
+          <p:cNvPr id="6" name="Subtitle 5">
             <a:extLst>
               <a:ext uri="{FF2B5EF4-FFF2-40B4-BE49-F238E27FC236}">
-                <a16:creationId xmlns:a16="http://schemas.microsoft.com/office/drawing/2014/main" id="{A2776F36-C8FD-482D-9295-81CA4BB4D406}"/>
+                <a16:creationId xmlns:a16="http://schemas.microsoft.com/office/drawing/2014/main" id="{1AF0AA86-DBE4-444B-9FC8-83C57E3C55DE}"/>
               </a:ext>
             </a:extLst>
           </p:cNvPr>
@@ -2889,7 +3124,7 @@
           <p:cNvPr id="4" name="Slide Number Placeholder 3">
             <a:extLst>
               <a:ext uri="{FF2B5EF4-FFF2-40B4-BE49-F238E27FC236}">
-                <a16:creationId xmlns:a16="http://schemas.microsoft.com/office/drawing/2014/main" id="{2B45158B-505A-4EC2-8D82-AF09B05B47E4}"/>
+                <a16:creationId xmlns:a16="http://schemas.microsoft.com/office/drawing/2014/main" id="{EF65B3E7-3FEF-48E2-92A9-EB4EC87395A0}"/>
               </a:ext>
             </a:extLst>
           </p:cNvPr>
@@ -2914,35 +3149,10 @@
           </a:p>
         </p:txBody>
       </p:sp>
-      <p:sp>
-        <p:nvSpPr>
-          <p:cNvPr id="5" name="Text Placeholder 4">
-            <a:extLst>
-              <a:ext uri="{FF2B5EF4-FFF2-40B4-BE49-F238E27FC236}">
-                <a16:creationId xmlns:a16="http://schemas.microsoft.com/office/drawing/2014/main" id="{BA436851-0F17-42CE-8B53-1AC1DC79A529}"/>
-              </a:ext>
-            </a:extLst>
-          </p:cNvPr>
-          <p:cNvSpPr>
-            <a:spLocks noGrp="1"/>
-          </p:cNvSpPr>
-          <p:nvPr>
-            <p:ph type="body" sz="quarter" idx="13"/>
-          </p:nvPr>
-        </p:nvSpPr>
-        <p:spPr/>
-        <p:txBody>
-          <a:bodyPr/>
-          <a:lstStyle/>
-          <a:p>
-            <a:endParaRPr lang="fr-FR"/>
-          </a:p>
-        </p:txBody>
-      </p:sp>
     </p:spTree>
     <p:extLst>
       <p:ext uri="{BB962C8B-B14F-4D97-AF65-F5344CB8AC3E}">
-        <p14:creationId xmlns:p14="http://schemas.microsoft.com/office/powerpoint/2010/main" val="3597356319"/>
+        <p14:creationId xmlns:p14="http://schemas.microsoft.com/office/powerpoint/2010/main" val="2540184640"/>
       </p:ext>
     </p:extLst>
   </p:cSld>
@@ -2974,7 +3184,7 @@
           <p:cNvPr id="6" name="Text Placeholder 5">
             <a:extLst>
               <a:ext uri="{FF2B5EF4-FFF2-40B4-BE49-F238E27FC236}">
-                <a16:creationId xmlns:a16="http://schemas.microsoft.com/office/drawing/2014/main" id="{CF3636E8-AE62-41EA-9654-8D95A1AA577D}"/>
+                <a16:creationId xmlns:a16="http://schemas.microsoft.com/office/drawing/2014/main" id="{944E6135-5CF3-4F52-AAC0-3C954F7AEF6B}"/>
               </a:ext>
             </a:extLst>
           </p:cNvPr>
@@ -2990,7 +3200,18 @@
           <a:bodyPr/>
           <a:lstStyle/>
           <a:p>
-            <a:endParaRPr lang="fr-FR"/>
+            <a:r>
+              <a:rPr lang="fr-FR" dirty="0"/>
+              <a:t>Attitude </a:t>
+            </a:r>
+            <a:r>
+              <a:rPr lang="fr-FR" dirty="0" err="1"/>
+              <a:t>Determination</a:t>
+            </a:r>
+            <a:r>
+              <a:rPr lang="fr-FR" dirty="0"/>
+              <a:t> &amp; Control</a:t>
+            </a:r>
           </a:p>
         </p:txBody>
       </p:sp>
@@ -2999,7 +3220,7 @@
           <p:cNvPr id="7" name="Text Placeholder 6">
             <a:extLst>
               <a:ext uri="{FF2B5EF4-FFF2-40B4-BE49-F238E27FC236}">
-                <a16:creationId xmlns:a16="http://schemas.microsoft.com/office/drawing/2014/main" id="{58A2B940-F5D1-4EDA-AC93-2D3AB3E7D949}"/>
+                <a16:creationId xmlns:a16="http://schemas.microsoft.com/office/drawing/2014/main" id="{726EA9C2-8FCB-4394-A994-DDF316F9C487}"/>
               </a:ext>
             </a:extLst>
           </p:cNvPr>
@@ -3015,7 +3236,22 @@
           <a:bodyPr/>
           <a:lstStyle/>
           <a:p>
-            <a:endParaRPr lang="fr-FR" dirty="0"/>
+            <a:r>
+              <a:rPr lang="fr-FR" dirty="0"/>
+              <a:t>Daniel ALVAREZ COSME</a:t>
+            </a:r>
+          </a:p>
+          <a:p>
+            <a:r>
+              <a:rPr lang="fr-FR" dirty="0"/>
+              <a:t>Paula BANQUE</a:t>
+            </a:r>
+          </a:p>
+          <a:p>
+            <a:r>
+              <a:rPr lang="fr-FR" dirty="0"/>
+              <a:t>Cédric BELMANT</a:t>
+            </a:r>
           </a:p>
         </p:txBody>
       </p:sp>
@@ -3024,7 +3260,7 @@
           <p:cNvPr id="4" name="Slide Number Placeholder 3">
             <a:extLst>
               <a:ext uri="{FF2B5EF4-FFF2-40B4-BE49-F238E27FC236}">
-                <a16:creationId xmlns:a16="http://schemas.microsoft.com/office/drawing/2014/main" id="{D1E01F12-A2DE-4ABE-BA1F-663CF3396AD2}"/>
+                <a16:creationId xmlns:a16="http://schemas.microsoft.com/office/drawing/2014/main" id="{83F54236-27D4-4D13-8D3A-9833A5F63255}"/>
               </a:ext>
             </a:extLst>
           </p:cNvPr>
@@ -3032,18 +3268,10 @@
             <a:spLocks noGrp="1"/>
           </p:cNvSpPr>
           <p:nvPr>
-            <p:ph type="sldNum" sz="quarter" idx="4294967295"/>
+            <p:ph type="sldNum" sz="quarter" idx="12"/>
           </p:nvPr>
         </p:nvSpPr>
-        <p:spPr>
-          <a:xfrm>
-            <a:off x="10969625" y="6400800"/>
-            <a:ext cx="1222375" cy="365125"/>
-          </a:xfrm>
-          <a:prstGeom prst="rect">
-            <a:avLst/>
-          </a:prstGeom>
-        </p:spPr>
+        <p:spPr/>
         <p:txBody>
           <a:bodyPr/>
           <a:lstStyle/>
@@ -3060,7 +3288,7 @@
     </p:spTree>
     <p:extLst>
       <p:ext uri="{BB962C8B-B14F-4D97-AF65-F5344CB8AC3E}">
-        <p14:creationId xmlns:p14="http://schemas.microsoft.com/office/powerpoint/2010/main" val="1121663991"/>
+        <p14:creationId xmlns:p14="http://schemas.microsoft.com/office/powerpoint/2010/main" val="100581097"/>
       </p:ext>
     </p:extLst>
   </p:cSld>
@@ -3658,4 +3886,299 @@
     </a:ext>
   </a:extLst>
 </a:theme>
+</file>
+
+<file path=ppt/theme/theme3.xml><?xml version="1.0" encoding="utf-8"?>
+<a:theme xmlns:a="http://schemas.openxmlformats.org/drawingml/2006/main" name="Office Theme">
+  <a:themeElements>
+    <a:clrScheme name="Office">
+      <a:dk1>
+        <a:sysClr val="windowText" lastClr="000000"/>
+      </a:dk1>
+      <a:lt1>
+        <a:sysClr val="window" lastClr="FFFFFF"/>
+      </a:lt1>
+      <a:dk2>
+        <a:srgbClr val="44546A"/>
+      </a:dk2>
+      <a:lt2>
+        <a:srgbClr val="E7E6E6"/>
+      </a:lt2>
+      <a:accent1>
+        <a:srgbClr val="4472C4"/>
+      </a:accent1>
+      <a:accent2>
+        <a:srgbClr val="ED7D31"/>
+      </a:accent2>
+      <a:accent3>
+        <a:srgbClr val="A5A5A5"/>
+      </a:accent3>
+      <a:accent4>
+        <a:srgbClr val="FFC000"/>
+      </a:accent4>
+      <a:accent5>
+        <a:srgbClr val="5B9BD5"/>
+      </a:accent5>
+      <a:accent6>
+        <a:srgbClr val="70AD47"/>
+      </a:accent6>
+      <a:hlink>
+        <a:srgbClr val="0563C1"/>
+      </a:hlink>
+      <a:folHlink>
+        <a:srgbClr val="954F72"/>
+      </a:folHlink>
+    </a:clrScheme>
+    <a:fontScheme name="Office">
+      <a:majorFont>
+        <a:latin typeface="Calibri Light" panose="020F0302020204030204"/>
+        <a:ea typeface=""/>
+        <a:cs typeface=""/>
+        <a:font script="Jpan" typeface="游ゴシック Light"/>
+        <a:font script="Hang" typeface="맑은 고딕"/>
+        <a:font script="Hans" typeface="等线 Light"/>
+        <a:font script="Hant" typeface="新細明體"/>
+        <a:font script="Arab" typeface="Times New Roman"/>
+        <a:font script="Hebr" typeface="Times New Roman"/>
+        <a:font script="Thai" typeface="Angsana New"/>
+        <a:font script="Ethi" typeface="Nyala"/>
+        <a:font script="Beng" typeface="Vrinda"/>
+        <a:font script="Gujr" typeface="Shruti"/>
+        <a:font script="Khmr" typeface="MoolBoran"/>
+        <a:font script="Knda" typeface="Tunga"/>
+        <a:font script="Guru" typeface="Raavi"/>
+        <a:font script="Cans" typeface="Euphemia"/>
+        <a:font script="Cher" typeface="Plantagenet Cherokee"/>
+        <a:font script="Yiii" typeface="Microsoft Yi Baiti"/>
+        <a:font script="Tibt" typeface="Microsoft Himalaya"/>
+        <a:font script="Thaa" typeface="MV Boli"/>
+        <a:font script="Deva" typeface="Mangal"/>
+        <a:font script="Telu" typeface="Gautami"/>
+        <a:font script="Taml" typeface="Latha"/>
+        <a:font script="Syrc" typeface="Estrangelo Edessa"/>
+        <a:font script="Orya" typeface="Kalinga"/>
+        <a:font script="Mlym" typeface="Kartika"/>
+        <a:font script="Laoo" typeface="DokChampa"/>
+        <a:font script="Sinh" typeface="Iskoola Pota"/>
+        <a:font script="Mong" typeface="Mongolian Baiti"/>
+        <a:font script="Viet" typeface="Times New Roman"/>
+        <a:font script="Uigh" typeface="Microsoft Uighur"/>
+        <a:font script="Geor" typeface="Sylfaen"/>
+        <a:font script="Armn" typeface="Arial"/>
+        <a:font script="Bugi" typeface="Leelawadee UI"/>
+        <a:font script="Bopo" typeface="Microsoft JhengHei"/>
+        <a:font script="Java" typeface="Javanese Text"/>
+        <a:font script="Lisu" typeface="Segoe UI"/>
+        <a:font script="Mymr" typeface="Myanmar Text"/>
+        <a:font script="Nkoo" typeface="Ebrima"/>
+        <a:font script="Olck" typeface="Nirmala UI"/>
+        <a:font script="Osma" typeface="Ebrima"/>
+        <a:font script="Phag" typeface="Phagspa"/>
+        <a:font script="Syrn" typeface="Estrangelo Edessa"/>
+        <a:font script="Syrj" typeface="Estrangelo Edessa"/>
+        <a:font script="Syre" typeface="Estrangelo Edessa"/>
+        <a:font script="Sora" typeface="Nirmala UI"/>
+        <a:font script="Tale" typeface="Microsoft Tai Le"/>
+        <a:font script="Talu" typeface="Microsoft New Tai Lue"/>
+        <a:font script="Tfng" typeface="Ebrima"/>
+      </a:majorFont>
+      <a:minorFont>
+        <a:latin typeface="Calibri" panose="020F0502020204030204"/>
+        <a:ea typeface=""/>
+        <a:cs typeface=""/>
+        <a:font script="Jpan" typeface="游ゴシック"/>
+        <a:font script="Hang" typeface="맑은 고딕"/>
+        <a:font script="Hans" typeface="等线"/>
+        <a:font script="Hant" typeface="新細明體"/>
+        <a:font script="Arab" typeface="Arial"/>
+        <a:font script="Hebr" typeface="Arial"/>
+        <a:font script="Thai" typeface="Cordia New"/>
+        <a:font script="Ethi" typeface="Nyala"/>
+        <a:font script="Beng" typeface="Vrinda"/>
+        <a:font script="Gujr" typeface="Shruti"/>
+        <a:font script="Khmr" typeface="DaunPenh"/>
+        <a:font script="Knda" typeface="Tunga"/>
+        <a:font script="Guru" typeface="Raavi"/>
+        <a:font script="Cans" typeface="Euphemia"/>
+        <a:font script="Cher" typeface="Plantagenet Cherokee"/>
+        <a:font script="Yiii" typeface="Microsoft Yi Baiti"/>
+        <a:font script="Tibt" typeface="Microsoft Himalaya"/>
+        <a:font script="Thaa" typeface="MV Boli"/>
+        <a:font script="Deva" typeface="Mangal"/>
+        <a:font script="Telu" typeface="Gautami"/>
+        <a:font script="Taml" typeface="Latha"/>
+        <a:font script="Syrc" typeface="Estrangelo Edessa"/>
+        <a:font script="Orya" typeface="Kalinga"/>
+        <a:font script="Mlym" typeface="Kartika"/>
+        <a:font script="Laoo" typeface="DokChampa"/>
+        <a:font script="Sinh" typeface="Iskoola Pota"/>
+        <a:font script="Mong" typeface="Mongolian Baiti"/>
+        <a:font script="Viet" typeface="Arial"/>
+        <a:font script="Uigh" typeface="Microsoft Uighur"/>
+        <a:font script="Geor" typeface="Sylfaen"/>
+        <a:font script="Armn" typeface="Arial"/>
+        <a:font script="Bugi" typeface="Leelawadee UI"/>
+        <a:font script="Bopo" typeface="Microsoft JhengHei"/>
+        <a:font script="Java" typeface="Javanese Text"/>
+        <a:font script="Lisu" typeface="Segoe UI"/>
+        <a:font script="Mymr" typeface="Myanmar Text"/>
+        <a:font script="Nkoo" typeface="Ebrima"/>
+        <a:font script="Olck" typeface="Nirmala UI"/>
+        <a:font script="Osma" typeface="Ebrima"/>
+        <a:font script="Phag" typeface="Phagspa"/>
+        <a:font script="Syrn" typeface="Estrangelo Edessa"/>
+        <a:font script="Syrj" typeface="Estrangelo Edessa"/>
+        <a:font script="Syre" typeface="Estrangelo Edessa"/>
+        <a:font script="Sora" typeface="Nirmala UI"/>
+        <a:font script="Tale" typeface="Microsoft Tai Le"/>
+        <a:font script="Talu" typeface="Microsoft New Tai Lue"/>
+        <a:font script="Tfng" typeface="Ebrima"/>
+      </a:minorFont>
+    </a:fontScheme>
+    <a:fmtScheme name="Office">
+      <a:fillStyleLst>
+        <a:solidFill>
+          <a:schemeClr val="phClr"/>
+        </a:solidFill>
+        <a:gradFill rotWithShape="1">
+          <a:gsLst>
+            <a:gs pos="0">
+              <a:schemeClr val="phClr">
+                <a:lumMod val="110000"/>
+                <a:satMod val="105000"/>
+                <a:tint val="67000"/>
+              </a:schemeClr>
+            </a:gs>
+            <a:gs pos="50000">
+              <a:schemeClr val="phClr">
+                <a:lumMod val="105000"/>
+                <a:satMod val="103000"/>
+                <a:tint val="73000"/>
+              </a:schemeClr>
+            </a:gs>
+            <a:gs pos="100000">
+              <a:schemeClr val="phClr">
+                <a:lumMod val="105000"/>
+                <a:satMod val="109000"/>
+                <a:tint val="81000"/>
+              </a:schemeClr>
+            </a:gs>
+          </a:gsLst>
+          <a:lin ang="5400000" scaled="0"/>
+        </a:gradFill>
+        <a:gradFill rotWithShape="1">
+          <a:gsLst>
+            <a:gs pos="0">
+              <a:schemeClr val="phClr">
+                <a:satMod val="103000"/>
+                <a:lumMod val="102000"/>
+                <a:tint val="94000"/>
+              </a:schemeClr>
+            </a:gs>
+            <a:gs pos="50000">
+              <a:schemeClr val="phClr">
+                <a:satMod val="110000"/>
+                <a:lumMod val="100000"/>
+                <a:shade val="100000"/>
+              </a:schemeClr>
+            </a:gs>
+            <a:gs pos="100000">
+              <a:schemeClr val="phClr">
+                <a:lumMod val="99000"/>
+                <a:satMod val="120000"/>
+                <a:shade val="78000"/>
+              </a:schemeClr>
+            </a:gs>
+          </a:gsLst>
+          <a:lin ang="5400000" scaled="0"/>
+        </a:gradFill>
+      </a:fillStyleLst>
+      <a:lnStyleLst>
+        <a:ln w="6350" cap="flat" cmpd="sng" algn="ctr">
+          <a:solidFill>
+            <a:schemeClr val="phClr"/>
+          </a:solidFill>
+          <a:prstDash val="solid"/>
+          <a:miter lim="800000"/>
+        </a:ln>
+        <a:ln w="12700" cap="flat" cmpd="sng" algn="ctr">
+          <a:solidFill>
+            <a:schemeClr val="phClr"/>
+          </a:solidFill>
+          <a:prstDash val="solid"/>
+          <a:miter lim="800000"/>
+        </a:ln>
+        <a:ln w="19050" cap="flat" cmpd="sng" algn="ctr">
+          <a:solidFill>
+            <a:schemeClr val="phClr"/>
+          </a:solidFill>
+          <a:prstDash val="solid"/>
+          <a:miter lim="800000"/>
+        </a:ln>
+      </a:lnStyleLst>
+      <a:effectStyleLst>
+        <a:effectStyle>
+          <a:effectLst/>
+        </a:effectStyle>
+        <a:effectStyle>
+          <a:effectLst/>
+        </a:effectStyle>
+        <a:effectStyle>
+          <a:effectLst>
+            <a:outerShdw blurRad="57150" dist="19050" dir="5400000" algn="ctr" rotWithShape="0">
+              <a:srgbClr val="000000">
+                <a:alpha val="63000"/>
+              </a:srgbClr>
+            </a:outerShdw>
+          </a:effectLst>
+        </a:effectStyle>
+      </a:effectStyleLst>
+      <a:bgFillStyleLst>
+        <a:solidFill>
+          <a:schemeClr val="phClr"/>
+        </a:solidFill>
+        <a:solidFill>
+          <a:schemeClr val="phClr">
+            <a:tint val="95000"/>
+            <a:satMod val="170000"/>
+          </a:schemeClr>
+        </a:solidFill>
+        <a:gradFill rotWithShape="1">
+          <a:gsLst>
+            <a:gs pos="0">
+              <a:schemeClr val="phClr">
+                <a:tint val="93000"/>
+                <a:satMod val="150000"/>
+                <a:shade val="98000"/>
+                <a:lumMod val="102000"/>
+              </a:schemeClr>
+            </a:gs>
+            <a:gs pos="50000">
+              <a:schemeClr val="phClr">
+                <a:tint val="98000"/>
+                <a:satMod val="130000"/>
+                <a:shade val="90000"/>
+                <a:lumMod val="103000"/>
+              </a:schemeClr>
+            </a:gs>
+            <a:gs pos="100000">
+              <a:schemeClr val="phClr">
+                <a:shade val="63000"/>
+                <a:satMod val="120000"/>
+              </a:schemeClr>
+            </a:gs>
+          </a:gsLst>
+          <a:lin ang="5400000" scaled="0"/>
+        </a:gradFill>
+      </a:bgFillStyleLst>
+    </a:fmtScheme>
+  </a:themeElements>
+  <a:objectDefaults/>
+  <a:extraClrSchemeLst/>
+  <a:extLst>
+    <a:ext uri="{05A4C25C-085E-4340-85A3-A5531E510DB2}">
+      <thm15:themeFamily xmlns:thm15="http://schemas.microsoft.com/office/thememl/2012/main" name="Office Theme" id="{62F939B6-93AF-4DB8-9C6B-D6C7DFDC589F}" vid="{4A3C46E8-61CC-4603-A589-7422A47A8E4A}"/>
+    </a:ext>
+  </a:extLst>
+</a:theme>
 </file>